--- a/documents/Presentation.pptx
+++ b/documents/Presentation.pptx
@@ -28,17 +28,6 @@
     <p:sldId id="277" r:id="rId22"/>
     <p:sldId id="293" r:id="rId23"/>
     <p:sldId id="279" r:id="rId24"/>
-    <p:sldId id="260" r:id="rId25"/>
-    <p:sldId id="261" r:id="rId26"/>
-    <p:sldId id="262" r:id="rId27"/>
-    <p:sldId id="280" r:id="rId28"/>
-    <p:sldId id="263" r:id="rId29"/>
-    <p:sldId id="264" r:id="rId30"/>
-    <p:sldId id="265" r:id="rId31"/>
-    <p:sldId id="266" r:id="rId32"/>
-    <p:sldId id="267" r:id="rId33"/>
-    <p:sldId id="275" r:id="rId34"/>
-    <p:sldId id="278" r:id="rId35"/>
   </p:sldIdLst>
   <p:sldSz cx="12192000" cy="6858000"/>
   <p:notesSz cx="6858000" cy="9144000"/>
@@ -283,7 +272,7 @@
           <a:p>
             <a:fld id="{C764DE79-268F-4C1A-8933-263129D2AF90}" type="datetimeFigureOut">
               <a:rPr lang="en-US" dirty="0"/>
-              <a:t>07/02/2025</a:t>
+              <a:t>10/27/2025</a:t>
             </a:fld>
             <a:endParaRPr lang="en-US" dirty="0"/>
           </a:p>
@@ -451,7 +440,7 @@
           <a:p>
             <a:fld id="{C764DE79-268F-4C1A-8933-263129D2AF90}" type="datetimeFigureOut">
               <a:rPr lang="en-US" dirty="0"/>
-              <a:t>07/02/2025</a:t>
+              <a:t>10/27/2025</a:t>
             </a:fld>
             <a:endParaRPr lang="en-US" dirty="0"/>
           </a:p>
@@ -629,7 +618,7 @@
           <a:p>
             <a:fld id="{C764DE79-268F-4C1A-8933-263129D2AF90}" type="datetimeFigureOut">
               <a:rPr lang="en-US" dirty="0"/>
-              <a:t>07/02/2025</a:t>
+              <a:t>10/27/2025</a:t>
             </a:fld>
             <a:endParaRPr lang="en-US" dirty="0"/>
           </a:p>
@@ -797,7 +786,7 @@
           <a:p>
             <a:fld id="{C764DE79-268F-4C1A-8933-263129D2AF90}" type="datetimeFigureOut">
               <a:rPr lang="en-US" dirty="0"/>
-              <a:t>07/02/2025</a:t>
+              <a:t>10/27/2025</a:t>
             </a:fld>
             <a:endParaRPr lang="en-US" dirty="0"/>
           </a:p>
@@ -1042,7 +1031,7 @@
           <a:p>
             <a:fld id="{C764DE79-268F-4C1A-8933-263129D2AF90}" type="datetimeFigureOut">
               <a:rPr lang="en-US" dirty="0"/>
-              <a:t>07/02/2025</a:t>
+              <a:t>10/27/2025</a:t>
             </a:fld>
             <a:endParaRPr lang="en-US" dirty="0"/>
           </a:p>
@@ -1271,7 +1260,7 @@
           <a:p>
             <a:fld id="{C764DE79-268F-4C1A-8933-263129D2AF90}" type="datetimeFigureOut">
               <a:rPr lang="en-US" dirty="0"/>
-              <a:t>07/02/2025</a:t>
+              <a:t>10/27/2025</a:t>
             </a:fld>
             <a:endParaRPr lang="en-US" dirty="0"/>
           </a:p>
@@ -1635,7 +1624,7 @@
           <a:p>
             <a:fld id="{C764DE79-268F-4C1A-8933-263129D2AF90}" type="datetimeFigureOut">
               <a:rPr lang="en-US" dirty="0"/>
-              <a:t>07/02/2025</a:t>
+              <a:t>10/27/2025</a:t>
             </a:fld>
             <a:endParaRPr lang="en-US" dirty="0"/>
           </a:p>
@@ -1752,7 +1741,7 @@
           <a:p>
             <a:fld id="{C764DE79-268F-4C1A-8933-263129D2AF90}" type="datetimeFigureOut">
               <a:rPr lang="en-US" dirty="0"/>
-              <a:t>07/02/2025</a:t>
+              <a:t>10/27/2025</a:t>
             </a:fld>
             <a:endParaRPr lang="en-US" dirty="0"/>
           </a:p>
@@ -1847,7 +1836,7 @@
           <a:p>
             <a:fld id="{C764DE79-268F-4C1A-8933-263129D2AF90}" type="datetimeFigureOut">
               <a:rPr lang="en-US" dirty="0"/>
-              <a:t>07/02/2025</a:t>
+              <a:t>10/27/2025</a:t>
             </a:fld>
             <a:endParaRPr lang="en-US" dirty="0"/>
           </a:p>
@@ -2122,7 +2111,7 @@
           <a:p>
             <a:fld id="{C764DE79-268F-4C1A-8933-263129D2AF90}" type="datetimeFigureOut">
               <a:rPr lang="en-US" dirty="0"/>
-              <a:t>07/02/2025</a:t>
+              <a:t>10/27/2025</a:t>
             </a:fld>
             <a:endParaRPr lang="en-US" dirty="0"/>
           </a:p>
@@ -2374,7 +2363,7 @@
           <a:p>
             <a:fld id="{C764DE79-268F-4C1A-8933-263129D2AF90}" type="datetimeFigureOut">
               <a:rPr lang="en-US" dirty="0"/>
-              <a:t>07/02/2025</a:t>
+              <a:t>10/27/2025</a:t>
             </a:fld>
             <a:endParaRPr lang="en-US" dirty="0"/>
           </a:p>
@@ -2585,7 +2574,7 @@
           <a:p>
             <a:fld id="{C764DE79-268F-4C1A-8933-263129D2AF90}" type="datetimeFigureOut">
               <a:rPr lang="en-US" dirty="0"/>
-              <a:t>07/02/2025</a:t>
+              <a:t>10/27/2025</a:t>
             </a:fld>
             <a:endParaRPr lang="en-US" dirty="0"/>
           </a:p>
@@ -6671,1967 +6660,6 @@
 </p:sld>
 </file>
 
-<file path=ppt/slides/slide24.xml><?xml version="1.0" encoding="utf-8"?>
-<p:sld xmlns:a="http://schemas.openxmlformats.org/drawingml/2006/main" xmlns:r="http://schemas.openxmlformats.org/officeDocument/2006/relationships" xmlns:p="http://schemas.openxmlformats.org/presentationml/2006/main">
-  <p:cSld>
-    <p:spTree>
-      <p:nvGrpSpPr>
-        <p:cNvPr id="1" name=""/>
-        <p:cNvGrpSpPr/>
-        <p:nvPr/>
-      </p:nvGrpSpPr>
-      <p:grpSpPr>
-        <a:xfrm>
-          <a:off x="0" y="0"/>
-          <a:ext cx="0" cy="0"/>
-          <a:chOff x="0" y="0"/>
-          <a:chExt cx="0" cy="0"/>
-        </a:xfrm>
-      </p:grpSpPr>
-      <p:sp>
-        <p:nvSpPr>
-          <p:cNvPr id="2" name="Title 1">
-            <a:extLst>
-              <a:ext uri="{FF2B5EF4-FFF2-40B4-BE49-F238E27FC236}">
-                <a16:creationId xmlns:a16="http://schemas.microsoft.com/office/drawing/2014/main" id="{9C1E72A6-33B0-9CA3-BE23-3375B2034853}"/>
-              </a:ext>
-            </a:extLst>
-          </p:cNvPr>
-          <p:cNvSpPr>
-            <a:spLocks noGrp="1"/>
-          </p:cNvSpPr>
-          <p:nvPr>
-            <p:ph type="title"/>
-          </p:nvPr>
-        </p:nvSpPr>
-        <p:spPr/>
-        <p:txBody>
-          <a:bodyPr>
-            <a:normAutofit/>
-          </a:bodyPr>
-          <a:lstStyle/>
-          <a:p>
-            <a:r>
-              <a:rPr lang="en-US" sz="3600" b="1" dirty="0">
-                <a:latin typeface="Calibri"/>
-                <a:ea typeface="Calibri"/>
-                <a:cs typeface="Calibri"/>
-              </a:rPr>
-              <a:t>NLP techniques used for text preprocessing</a:t>
-            </a:r>
-          </a:p>
-        </p:txBody>
-      </p:sp>
-      <p:sp>
-        <p:nvSpPr>
-          <p:cNvPr id="3" name="Content Placeholder 2">
-            <a:extLst>
-              <a:ext uri="{FF2B5EF4-FFF2-40B4-BE49-F238E27FC236}">
-                <a16:creationId xmlns:a16="http://schemas.microsoft.com/office/drawing/2014/main" id="{2B510F3E-AF18-661E-22EF-16D5757B11BB}"/>
-              </a:ext>
-            </a:extLst>
-          </p:cNvPr>
-          <p:cNvSpPr>
-            <a:spLocks noGrp="1"/>
-          </p:cNvSpPr>
-          <p:nvPr>
-            <p:ph idx="1"/>
-          </p:nvPr>
-        </p:nvSpPr>
-        <p:spPr/>
-        <p:txBody>
-          <a:bodyPr vert="horz" lIns="91440" tIns="45720" rIns="91440" bIns="45720" rtlCol="0" anchor="t">
-            <a:normAutofit/>
-          </a:bodyPr>
-          <a:lstStyle/>
-          <a:p>
-            <a:r>
-              <a:rPr lang="en-US" sz="2000" b="1" dirty="0">
-                <a:latin typeface="Calibri"/>
-                <a:ea typeface="+mn-lt"/>
-                <a:cs typeface="+mn-lt"/>
-              </a:rPr>
-              <a:t>Tokenization &amp; Normalization:</a:t>
-            </a:r>
-            <a:r>
-              <a:rPr lang="en-US" sz="2000" dirty="0">
-                <a:latin typeface="Calibri"/>
-                <a:ea typeface="+mn-lt"/>
-                <a:cs typeface="+mn-lt"/>
-              </a:rPr>
-              <a:t> The text was split into individual words (tokens), converted to lowercase, and cleared of punctuation.</a:t>
-            </a:r>
-            <a:endParaRPr lang="en-US" sz="2000" dirty="0">
-              <a:latin typeface="Calibri"/>
-              <a:ea typeface="Calibri"/>
-              <a:cs typeface="Calibri"/>
-            </a:endParaRPr>
-          </a:p>
-          <a:p>
-            <a:r>
-              <a:rPr lang="en-US" sz="2000" b="1" dirty="0">
-                <a:latin typeface="Calibri"/>
-                <a:ea typeface="+mn-lt"/>
-                <a:cs typeface="+mn-lt"/>
-              </a:rPr>
-              <a:t>Stop Word Removal:</a:t>
-            </a:r>
-            <a:r>
-              <a:rPr lang="en-US" sz="2000" dirty="0">
-                <a:latin typeface="Calibri"/>
-                <a:ea typeface="+mn-lt"/>
-                <a:cs typeface="+mn-lt"/>
-              </a:rPr>
-              <a:t> Common words with little meaning (like </a:t>
-            </a:r>
-            <a:r>
-              <a:rPr lang="en-US" sz="2000" i="1" dirty="0" err="1">
-                <a:latin typeface="Calibri"/>
-                <a:ea typeface="+mn-lt"/>
-                <a:cs typeface="+mn-lt"/>
-              </a:rPr>
-              <a:t>și</a:t>
-            </a:r>
-            <a:r>
-              <a:rPr lang="en-US" sz="2000" dirty="0">
-                <a:latin typeface="Calibri"/>
-                <a:ea typeface="+mn-lt"/>
-                <a:cs typeface="+mn-lt"/>
-              </a:rPr>
-              <a:t>, </a:t>
-            </a:r>
-            <a:r>
-              <a:rPr lang="en-US" sz="2000" i="1" dirty="0">
-                <a:latin typeface="Calibri"/>
-                <a:ea typeface="+mn-lt"/>
-                <a:cs typeface="+mn-lt"/>
-              </a:rPr>
-              <a:t>cu</a:t>
-            </a:r>
-            <a:r>
-              <a:rPr lang="en-US" sz="2000" dirty="0">
-                <a:latin typeface="Calibri"/>
-                <a:ea typeface="+mn-lt"/>
-                <a:cs typeface="+mn-lt"/>
-              </a:rPr>
-              <a:t>) were filtered out to focus on important terms.</a:t>
-            </a:r>
-            <a:endParaRPr lang="en-US" sz="2000" dirty="0">
-              <a:latin typeface="Calibri"/>
-              <a:ea typeface="Calibri"/>
-              <a:cs typeface="Calibri"/>
-            </a:endParaRPr>
-          </a:p>
-          <a:p>
-            <a:r>
-              <a:rPr lang="en-US" sz="2000" b="1" dirty="0">
-                <a:latin typeface="Calibri"/>
-                <a:ea typeface="+mn-lt"/>
-                <a:cs typeface="+mn-lt"/>
-              </a:rPr>
-              <a:t>Lemmatization:</a:t>
-            </a:r>
-            <a:r>
-              <a:rPr lang="en-US" sz="2000" dirty="0">
-                <a:latin typeface="Calibri"/>
-                <a:ea typeface="+mn-lt"/>
-                <a:cs typeface="+mn-lt"/>
-              </a:rPr>
-              <a:t> Each word was reduced to its base dictionary form (e.g., the words </a:t>
-            </a:r>
-            <a:r>
-              <a:rPr lang="en-US" sz="2000" i="1" dirty="0" err="1">
-                <a:latin typeface="Calibri"/>
-                <a:ea typeface="+mn-lt"/>
-                <a:cs typeface="+mn-lt"/>
-              </a:rPr>
-              <a:t>merg</a:t>
-            </a:r>
-            <a:r>
-              <a:rPr lang="en-US" sz="2000" dirty="0">
-                <a:latin typeface="Calibri"/>
-                <a:ea typeface="+mn-lt"/>
-                <a:cs typeface="+mn-lt"/>
-              </a:rPr>
-              <a:t>, </a:t>
-            </a:r>
-            <a:r>
-              <a:rPr lang="en-US" sz="2000" i="1" dirty="0" err="1">
-                <a:latin typeface="Calibri"/>
-                <a:ea typeface="+mn-lt"/>
-                <a:cs typeface="+mn-lt"/>
-              </a:rPr>
-              <a:t>mergi</a:t>
-            </a:r>
-            <a:r>
-              <a:rPr lang="en-US" sz="2000" dirty="0">
-                <a:latin typeface="Calibri"/>
-                <a:ea typeface="+mn-lt"/>
-                <a:cs typeface="+mn-lt"/>
-              </a:rPr>
-              <a:t>, and </a:t>
-            </a:r>
-            <a:r>
-              <a:rPr lang="en-US" sz="2000" i="1" dirty="0">
-                <a:latin typeface="Calibri"/>
-                <a:ea typeface="+mn-lt"/>
-                <a:cs typeface="+mn-lt"/>
-              </a:rPr>
-              <a:t>merge</a:t>
-            </a:r>
-            <a:r>
-              <a:rPr lang="en-US" sz="2000" dirty="0">
-                <a:latin typeface="Calibri"/>
-                <a:ea typeface="+mn-lt"/>
-                <a:cs typeface="+mn-lt"/>
-              </a:rPr>
-              <a:t> all become the lemma "merge").</a:t>
-            </a:r>
-            <a:endParaRPr lang="en-US" sz="2000" dirty="0">
-              <a:latin typeface="Calibri"/>
-              <a:ea typeface="Calibri"/>
-              <a:cs typeface="Calibri"/>
-            </a:endParaRPr>
-          </a:p>
-          <a:p>
-            <a:r>
-              <a:rPr lang="en-US" sz="2000" b="1" dirty="0">
-                <a:latin typeface="Calibri"/>
-                <a:ea typeface="+mn-lt"/>
-                <a:cs typeface="+mn-lt"/>
-              </a:rPr>
-              <a:t>POS Tagging:</a:t>
-            </a:r>
-            <a:r>
-              <a:rPr lang="en-US" sz="2000" dirty="0">
-                <a:latin typeface="Calibri"/>
-                <a:ea typeface="+mn-lt"/>
-                <a:cs typeface="+mn-lt"/>
-              </a:rPr>
-              <a:t> The grammatical role of each word (noun, verb, adjective, etc.) was identified.</a:t>
-            </a:r>
-            <a:endParaRPr lang="en-US" sz="2000" dirty="0">
-              <a:latin typeface="Calibri"/>
-              <a:ea typeface="Calibri"/>
-              <a:cs typeface="Calibri"/>
-            </a:endParaRPr>
-          </a:p>
-          <a:p>
-            <a:r>
-              <a:rPr lang="en-US" sz="2000" b="1" dirty="0">
-                <a:latin typeface="Calibri"/>
-                <a:ea typeface="+mn-lt"/>
-                <a:cs typeface="+mn-lt"/>
-              </a:rPr>
-              <a:t>Named Entity Recognition (NER):</a:t>
-            </a:r>
-            <a:r>
-              <a:rPr lang="en-US" sz="2000" dirty="0">
-                <a:latin typeface="Calibri"/>
-                <a:ea typeface="+mn-lt"/>
-                <a:cs typeface="+mn-lt"/>
-              </a:rPr>
-              <a:t> Names of people, organizations, and locations were identified and categorized.</a:t>
-            </a:r>
-            <a:endParaRPr lang="en-US" sz="2000" dirty="0">
-              <a:latin typeface="Calibri"/>
-            </a:endParaRPr>
-          </a:p>
-          <a:p>
-            <a:endParaRPr lang="en-US" dirty="0"/>
-          </a:p>
-        </p:txBody>
-      </p:sp>
-    </p:spTree>
-    <p:extLst>
-      <p:ext uri="{BB962C8B-B14F-4D97-AF65-F5344CB8AC3E}">
-        <p14:creationId xmlns:p14="http://schemas.microsoft.com/office/powerpoint/2010/main" val="1102327686"/>
-      </p:ext>
-    </p:extLst>
-  </p:cSld>
-  <p:clrMapOvr>
-    <a:masterClrMapping/>
-  </p:clrMapOvr>
-</p:sld>
-</file>
-
-<file path=ppt/slides/slide25.xml><?xml version="1.0" encoding="utf-8"?>
-<p:sld xmlns:a="http://schemas.openxmlformats.org/drawingml/2006/main" xmlns:r="http://schemas.openxmlformats.org/officeDocument/2006/relationships" xmlns:p="http://schemas.openxmlformats.org/presentationml/2006/main">
-  <p:cSld>
-    <p:spTree>
-      <p:nvGrpSpPr>
-        <p:cNvPr id="1" name=""/>
-        <p:cNvGrpSpPr/>
-        <p:nvPr/>
-      </p:nvGrpSpPr>
-      <p:grpSpPr>
-        <a:xfrm>
-          <a:off x="0" y="0"/>
-          <a:ext cx="0" cy="0"/>
-          <a:chOff x="0" y="0"/>
-          <a:chExt cx="0" cy="0"/>
-        </a:xfrm>
-      </p:grpSpPr>
-      <p:sp>
-        <p:nvSpPr>
-          <p:cNvPr id="2" name="Title 1">
-            <a:extLst>
-              <a:ext uri="{FF2B5EF4-FFF2-40B4-BE49-F238E27FC236}">
-                <a16:creationId xmlns:a16="http://schemas.microsoft.com/office/drawing/2014/main" id="{A4C330C0-9346-BD6A-A262-E79DBCF66634}"/>
-              </a:ext>
-            </a:extLst>
-          </p:cNvPr>
-          <p:cNvSpPr>
-            <a:spLocks noGrp="1"/>
-          </p:cNvSpPr>
-          <p:nvPr>
-            <p:ph type="title"/>
-          </p:nvPr>
-        </p:nvSpPr>
-        <p:spPr/>
-        <p:txBody>
-          <a:bodyPr>
-            <a:normAutofit/>
-          </a:bodyPr>
-          <a:lstStyle/>
-          <a:p>
-            <a:r>
-              <a:rPr lang="en-US" sz="3600" b="1" dirty="0">
-                <a:latin typeface="Calibri"/>
-                <a:ea typeface="Calibri"/>
-                <a:cs typeface="Calibri"/>
-              </a:rPr>
-              <a:t>Text Representations Techniques</a:t>
-            </a:r>
-          </a:p>
-        </p:txBody>
-      </p:sp>
-      <p:sp>
-        <p:nvSpPr>
-          <p:cNvPr id="3" name="Content Placeholder 2">
-            <a:extLst>
-              <a:ext uri="{FF2B5EF4-FFF2-40B4-BE49-F238E27FC236}">
-                <a16:creationId xmlns:a16="http://schemas.microsoft.com/office/drawing/2014/main" id="{127852EA-F06C-120C-84CB-7E563E127345}"/>
-              </a:ext>
-            </a:extLst>
-          </p:cNvPr>
-          <p:cNvSpPr>
-            <a:spLocks noGrp="1"/>
-          </p:cNvSpPr>
-          <p:nvPr>
-            <p:ph idx="1"/>
-          </p:nvPr>
-        </p:nvSpPr>
-        <p:spPr/>
-        <p:txBody>
-          <a:bodyPr vert="horz" lIns="91440" tIns="45720" rIns="91440" bIns="45720" rtlCol="0" anchor="t">
-            <a:normAutofit/>
-          </a:bodyPr>
-          <a:lstStyle/>
-          <a:p>
-            <a:r>
-              <a:rPr lang="en-US" sz="2000" b="1" dirty="0">
-                <a:latin typeface="Calibri"/>
-                <a:ea typeface="+mn-lt"/>
-                <a:cs typeface="+mn-lt"/>
-              </a:rPr>
-              <a:t>Term Frequency-Inverse Document Frequency (TF-IDF):</a:t>
-            </a:r>
-            <a:r>
-              <a:rPr lang="en-US" sz="2000" dirty="0">
-                <a:latin typeface="Calibri"/>
-                <a:ea typeface="+mn-lt"/>
-                <a:cs typeface="+mn-lt"/>
-              </a:rPr>
-              <a:t> </a:t>
-            </a:r>
-            <a:r>
-              <a:rPr lang="en-US" sz="2000" dirty="0">
-                <a:ea typeface="+mn-lt"/>
-                <a:cs typeface="+mn-lt"/>
-              </a:rPr>
-              <a:t>Assigns a weight to each word based on how frequently it appears in a document (TF) and how rare it is across the entire corpus (IDF), helping to highlight terms that are important and distinctive to that document.</a:t>
-            </a:r>
-          </a:p>
-          <a:p>
-            <a:r>
-              <a:rPr lang="en-US" sz="2000" b="1" dirty="0">
-                <a:latin typeface="Calibri"/>
-                <a:ea typeface="+mn-lt"/>
-                <a:cs typeface="+mn-lt"/>
-              </a:rPr>
-              <a:t>Word2Vec:</a:t>
-            </a:r>
-            <a:r>
-              <a:rPr lang="en-US" sz="2000" dirty="0">
-                <a:latin typeface="Calibri"/>
-                <a:ea typeface="+mn-lt"/>
-                <a:cs typeface="+mn-lt"/>
-              </a:rPr>
-              <a:t> Represents each word as a numerical vector, where words with similar meanings are placed closer together in a vector space.</a:t>
-            </a:r>
-            <a:endParaRPr lang="en-US" sz="2000" dirty="0">
-              <a:latin typeface="Calibri"/>
-              <a:ea typeface="Calibri"/>
-              <a:cs typeface="Calibri"/>
-            </a:endParaRPr>
-          </a:p>
-          <a:p>
-            <a:r>
-              <a:rPr lang="en-US" sz="2000" b="1" dirty="0">
-                <a:latin typeface="Calibri"/>
-                <a:ea typeface="+mn-lt"/>
-                <a:cs typeface="+mn-lt"/>
-              </a:rPr>
-              <a:t>Doc2Vec:</a:t>
-            </a:r>
-            <a:r>
-              <a:rPr lang="en-US" sz="2000" dirty="0">
-                <a:latin typeface="Calibri"/>
-                <a:ea typeface="+mn-lt"/>
-                <a:cs typeface="+mn-lt"/>
-              </a:rPr>
-              <a:t> An extension of Word2Vec that generates a single vector representation for an entire document, capturing its overall meaning.</a:t>
-            </a:r>
-            <a:endParaRPr lang="en-US" sz="2000" dirty="0">
-              <a:latin typeface="Calibri"/>
-              <a:ea typeface="Calibri"/>
-              <a:cs typeface="Calibri"/>
-            </a:endParaRPr>
-          </a:p>
-          <a:p>
-            <a:r>
-              <a:rPr lang="en-US" sz="2000" b="1" dirty="0" err="1">
-                <a:latin typeface="Calibri"/>
-                <a:ea typeface="+mn-lt"/>
-                <a:cs typeface="+mn-lt"/>
-              </a:rPr>
-              <a:t>RoBERT</a:t>
-            </a:r>
-            <a:r>
-              <a:rPr lang="en-US" sz="2000" b="1" dirty="0">
-                <a:latin typeface="Calibri"/>
-                <a:ea typeface="+mn-lt"/>
-                <a:cs typeface="+mn-lt"/>
-              </a:rPr>
-              <a:t> (CLS Token):</a:t>
-            </a:r>
-            <a:r>
-              <a:rPr lang="en-US" sz="2000" dirty="0">
-                <a:latin typeface="Calibri"/>
-                <a:ea typeface="+mn-lt"/>
-                <a:cs typeface="+mn-lt"/>
-              </a:rPr>
-              <a:t> </a:t>
-            </a:r>
-            <a:r>
-              <a:rPr lang="en-US" sz="2000" dirty="0">
-                <a:ea typeface="+mn-lt"/>
-                <a:cs typeface="+mn-lt"/>
-              </a:rPr>
-              <a:t>A contextualized transformer-based language model. We used the final hidden state of the special [CLS] token—designed to capture aggregated information about the entire input sequence—as a fixed-size vector representation of each document.</a:t>
-            </a:r>
-          </a:p>
-          <a:p>
-            <a:endParaRPr lang="en-US" sz="2000" dirty="0">
-              <a:latin typeface="Calibri"/>
-              <a:ea typeface="+mn-lt"/>
-              <a:cs typeface="+mn-lt"/>
-            </a:endParaRPr>
-          </a:p>
-          <a:p>
-            <a:r>
-              <a:rPr lang="en-US" sz="2000" dirty="0">
-                <a:latin typeface="Calibri"/>
-                <a:ea typeface="+mn-lt"/>
-                <a:cs typeface="+mn-lt"/>
-              </a:rPr>
-              <a:t>TODO: </a:t>
-            </a:r>
-            <a:r>
-              <a:rPr lang="en-US" sz="2000" dirty="0" err="1">
-                <a:latin typeface="Calibri"/>
-                <a:ea typeface="+mn-lt"/>
-                <a:cs typeface="+mn-lt"/>
-              </a:rPr>
-              <a:t>doua</a:t>
-            </a:r>
-            <a:r>
-              <a:rPr lang="en-US" sz="2000" dirty="0">
-                <a:latin typeface="Calibri"/>
-                <a:ea typeface="+mn-lt"/>
-                <a:cs typeface="+mn-lt"/>
-              </a:rPr>
-              <a:t> </a:t>
-            </a:r>
-            <a:r>
-              <a:rPr lang="en-US" sz="2000" dirty="0" err="1">
-                <a:latin typeface="Calibri"/>
-                <a:ea typeface="+mn-lt"/>
-                <a:cs typeface="+mn-lt"/>
-              </a:rPr>
-              <a:t>coloane</a:t>
-            </a:r>
-            <a:r>
-              <a:rPr lang="en-US" sz="2000" dirty="0">
-                <a:latin typeface="Calibri"/>
-                <a:ea typeface="+mn-lt"/>
-                <a:cs typeface="+mn-lt"/>
-              </a:rPr>
-              <a:t>, corpus based </a:t>
-            </a:r>
-            <a:r>
-              <a:rPr lang="en-US" sz="2000" dirty="0" err="1">
-                <a:latin typeface="Calibri"/>
-                <a:ea typeface="+mn-lt"/>
-                <a:cs typeface="+mn-lt"/>
-              </a:rPr>
-              <a:t>si</a:t>
-            </a:r>
-            <a:r>
-              <a:rPr lang="en-US" sz="2000" dirty="0">
-                <a:latin typeface="Calibri"/>
-                <a:ea typeface="+mn-lt"/>
-                <a:cs typeface="+mn-lt"/>
-              </a:rPr>
-              <a:t> dynamic contextualized TF-IDF: SPARSE, HIG,…</a:t>
-            </a:r>
-            <a:endParaRPr lang="en-US" sz="2000" dirty="0">
-              <a:latin typeface="Calibri"/>
-            </a:endParaRPr>
-          </a:p>
-          <a:p>
-            <a:endParaRPr lang="en-US" sz="2000" dirty="0">
-              <a:latin typeface="Calibri"/>
-              <a:ea typeface="Calibri"/>
-              <a:cs typeface="Calibri"/>
-            </a:endParaRPr>
-          </a:p>
-        </p:txBody>
-      </p:sp>
-    </p:spTree>
-    <p:extLst>
-      <p:ext uri="{BB962C8B-B14F-4D97-AF65-F5344CB8AC3E}">
-        <p14:creationId xmlns:p14="http://schemas.microsoft.com/office/powerpoint/2010/main" val="3515915227"/>
-      </p:ext>
-    </p:extLst>
-  </p:cSld>
-  <p:clrMapOvr>
-    <a:masterClrMapping/>
-  </p:clrMapOvr>
-</p:sld>
-</file>
-
-<file path=ppt/slides/slide26.xml><?xml version="1.0" encoding="utf-8"?>
-<p:sld xmlns:a="http://schemas.openxmlformats.org/drawingml/2006/main" xmlns:r="http://schemas.openxmlformats.org/officeDocument/2006/relationships" xmlns:p="http://schemas.openxmlformats.org/presentationml/2006/main">
-  <p:cSld>
-    <p:spTree>
-      <p:nvGrpSpPr>
-        <p:cNvPr id="1" name=""/>
-        <p:cNvGrpSpPr/>
-        <p:nvPr/>
-      </p:nvGrpSpPr>
-      <p:grpSpPr>
-        <a:xfrm>
-          <a:off x="0" y="0"/>
-          <a:ext cx="0" cy="0"/>
-          <a:chOff x="0" y="0"/>
-          <a:chExt cx="0" cy="0"/>
-        </a:xfrm>
-      </p:grpSpPr>
-      <p:sp>
-        <p:nvSpPr>
-          <p:cNvPr id="2" name="Title 1">
-            <a:extLst>
-              <a:ext uri="{FF2B5EF4-FFF2-40B4-BE49-F238E27FC236}">
-                <a16:creationId xmlns:a16="http://schemas.microsoft.com/office/drawing/2014/main" id="{A306480C-0ABF-5211-6FCC-BAF659BFC899}"/>
-              </a:ext>
-            </a:extLst>
-          </p:cNvPr>
-          <p:cNvSpPr>
-            <a:spLocks noGrp="1"/>
-          </p:cNvSpPr>
-          <p:nvPr>
-            <p:ph type="title"/>
-          </p:nvPr>
-        </p:nvSpPr>
-        <p:spPr>
-          <a:xfrm>
-            <a:off x="792019" y="365125"/>
-            <a:ext cx="10561781" cy="1337108"/>
-          </a:xfrm>
-        </p:spPr>
-        <p:txBody>
-          <a:bodyPr/>
-          <a:lstStyle/>
-          <a:p>
-            <a:r>
-              <a:rPr lang="en-US" sz="3600" b="1" dirty="0">
-                <a:latin typeface="Calibri"/>
-                <a:ea typeface="Calibri"/>
-                <a:cs typeface="Calibri"/>
-              </a:rPr>
-              <a:t>Text Representations Techniques</a:t>
-            </a:r>
-            <a:endParaRPr lang="en-US" sz="3600" dirty="0">
-              <a:latin typeface="Calibri"/>
-              <a:ea typeface="Calibri"/>
-              <a:cs typeface="Calibri"/>
-            </a:endParaRPr>
-          </a:p>
-        </p:txBody>
-      </p:sp>
-      <p:sp>
-        <p:nvSpPr>
-          <p:cNvPr id="4" name="TextBox 3">
-            <a:extLst>
-              <a:ext uri="{FF2B5EF4-FFF2-40B4-BE49-F238E27FC236}">
-                <a16:creationId xmlns:a16="http://schemas.microsoft.com/office/drawing/2014/main" id="{89E86145-6C5E-0870-F29C-AECF456AC729}"/>
-              </a:ext>
-            </a:extLst>
-          </p:cNvPr>
-          <p:cNvSpPr txBox="1"/>
-          <p:nvPr/>
-        </p:nvSpPr>
-        <p:spPr>
-          <a:xfrm>
-            <a:off x="900544" y="1662546"/>
-            <a:ext cx="4059381" cy="1015663"/>
-          </a:xfrm>
-          <a:prstGeom prst="rect">
-            <a:avLst/>
-          </a:prstGeom>
-          <a:noFill/>
-        </p:spPr>
-        <p:txBody>
-          <a:bodyPr rot="0" spcFirstLastPara="0" vertOverflow="overflow" horzOverflow="overflow" vert="horz" wrap="square" lIns="91440" tIns="45720" rIns="91440" bIns="45720" numCol="1" spcCol="0" rtlCol="0" fromWordArt="0" anchor="t" anchorCtr="0" forceAA="0" compatLnSpc="1">
-            <a:prstTxWarp prst="textNoShape">
-              <a:avLst/>
-            </a:prstTxWarp>
-            <a:spAutoFit/>
-          </a:bodyPr>
-          <a:lstStyle/>
-          <a:p>
-            <a:r>
-              <a:rPr lang="en-US" sz="2000" dirty="0">
-                <a:latin typeface="Calibri"/>
-                <a:ea typeface="+mn-lt"/>
-                <a:cs typeface="+mn-lt"/>
-              </a:rPr>
-              <a:t>The Term Frequency (TF) measures how often a term t appears in a document d.</a:t>
-            </a:r>
-            <a:endParaRPr lang="en-US" sz="2000" dirty="0">
-              <a:latin typeface="Calibri"/>
-            </a:endParaRPr>
-          </a:p>
-        </p:txBody>
-      </p:sp>
-      <p:pic>
-        <p:nvPicPr>
-          <p:cNvPr id="6" name="Picture 5" descr="A black and white text&#10;&#10;AI-generated content may be incorrect.">
-            <a:extLst>
-              <a:ext uri="{FF2B5EF4-FFF2-40B4-BE49-F238E27FC236}">
-                <a16:creationId xmlns:a16="http://schemas.microsoft.com/office/drawing/2014/main" id="{9261EC53-B126-8652-7217-CEFCBACA3B16}"/>
-              </a:ext>
-            </a:extLst>
-          </p:cNvPr>
-          <p:cNvPicPr>
-            <a:picLocks noChangeAspect="1"/>
-          </p:cNvPicPr>
-          <p:nvPr/>
-        </p:nvPicPr>
-        <p:blipFill>
-          <a:blip r:embed="rId2"/>
-          <a:stretch>
-            <a:fillRect/>
-          </a:stretch>
-        </p:blipFill>
-        <p:spPr>
-          <a:xfrm>
-            <a:off x="1013836" y="2684174"/>
-            <a:ext cx="4068329" cy="439015"/>
-          </a:xfrm>
-          <a:prstGeom prst="rect">
-            <a:avLst/>
-          </a:prstGeom>
-        </p:spPr>
-      </p:pic>
-      <p:pic>
-        <p:nvPicPr>
-          <p:cNvPr id="7" name="Picture 6" descr="A black text with a black line&#10;&#10;AI-generated content may be incorrect.">
-            <a:extLst>
-              <a:ext uri="{FF2B5EF4-FFF2-40B4-BE49-F238E27FC236}">
-                <a16:creationId xmlns:a16="http://schemas.microsoft.com/office/drawing/2014/main" id="{FA49916D-7F06-B08C-E4AC-75F5A8B14560}"/>
-              </a:ext>
-            </a:extLst>
-          </p:cNvPr>
-          <p:cNvPicPr>
-            <a:picLocks noChangeAspect="1"/>
-          </p:cNvPicPr>
-          <p:nvPr/>
-        </p:nvPicPr>
-        <p:blipFill>
-          <a:blip r:embed="rId3"/>
-          <a:stretch>
-            <a:fillRect/>
-          </a:stretch>
-        </p:blipFill>
-        <p:spPr>
-          <a:xfrm>
-            <a:off x="1012970" y="4463474"/>
-            <a:ext cx="4070062" cy="459510"/>
-          </a:xfrm>
-          <a:prstGeom prst="rect">
-            <a:avLst/>
-          </a:prstGeom>
-        </p:spPr>
-      </p:pic>
-      <p:pic>
-        <p:nvPicPr>
-          <p:cNvPr id="8" name="Picture 7">
-            <a:extLst>
-              <a:ext uri="{FF2B5EF4-FFF2-40B4-BE49-F238E27FC236}">
-                <a16:creationId xmlns:a16="http://schemas.microsoft.com/office/drawing/2014/main" id="{575DDDAD-FFDA-A53C-243E-0CF2345DBA5F}"/>
-              </a:ext>
-            </a:extLst>
-          </p:cNvPr>
-          <p:cNvPicPr>
-            <a:picLocks noChangeAspect="1"/>
-          </p:cNvPicPr>
-          <p:nvPr/>
-        </p:nvPicPr>
-        <p:blipFill>
-          <a:blip r:embed="rId4"/>
-          <a:stretch>
-            <a:fillRect/>
-          </a:stretch>
-        </p:blipFill>
-        <p:spPr>
-          <a:xfrm>
-            <a:off x="901845" y="5926572"/>
-            <a:ext cx="2618222" cy="304224"/>
-          </a:xfrm>
-          <a:prstGeom prst="rect">
-            <a:avLst/>
-          </a:prstGeom>
-        </p:spPr>
-      </p:pic>
-      <p:sp>
-        <p:nvSpPr>
-          <p:cNvPr id="9" name="TextBox 8">
-            <a:extLst>
-              <a:ext uri="{FF2B5EF4-FFF2-40B4-BE49-F238E27FC236}">
-                <a16:creationId xmlns:a16="http://schemas.microsoft.com/office/drawing/2014/main" id="{C1CF2B6A-188B-FBEA-3E7C-06B4A4077A8B}"/>
-              </a:ext>
-            </a:extLst>
-          </p:cNvPr>
-          <p:cNvSpPr txBox="1"/>
-          <p:nvPr/>
-        </p:nvSpPr>
-        <p:spPr>
-          <a:xfrm>
-            <a:off x="902306" y="3130579"/>
-            <a:ext cx="4428835" cy="1323439"/>
-          </a:xfrm>
-          <a:prstGeom prst="rect">
-            <a:avLst/>
-          </a:prstGeom>
-          <a:noFill/>
-        </p:spPr>
-        <p:txBody>
-          <a:bodyPr rot="0" spcFirstLastPara="0" vertOverflow="overflow" horzOverflow="overflow" vert="horz" wrap="square" lIns="91440" tIns="45720" rIns="91440" bIns="45720" numCol="1" spcCol="0" rtlCol="0" fromWordArt="0" anchor="t" anchorCtr="0" forceAA="0" compatLnSpc="1">
-            <a:prstTxWarp prst="textNoShape">
-              <a:avLst/>
-            </a:prstTxWarp>
-            <a:spAutoFit/>
-          </a:bodyPr>
-          <a:lstStyle/>
-          <a:p>
-            <a:r>
-              <a:rPr lang="en-US" sz="2000" dirty="0">
-                <a:latin typeface="Calibri"/>
-                <a:ea typeface="+mn-lt"/>
-                <a:cs typeface="+mn-lt"/>
-              </a:rPr>
-              <a:t>The Inverse Document Frequency (IDF) measures how important a term is by</a:t>
-            </a:r>
-            <a:endParaRPr lang="en-US" sz="2000">
-              <a:latin typeface="Calibri"/>
-              <a:ea typeface="Calibri"/>
-              <a:cs typeface="Calibri"/>
-            </a:endParaRPr>
-          </a:p>
-          <a:p>
-            <a:r>
-              <a:rPr lang="en-US" sz="2000" dirty="0">
-                <a:latin typeface="Calibri"/>
-                <a:ea typeface="+mn-lt"/>
-                <a:cs typeface="+mn-lt"/>
-              </a:rPr>
-              <a:t>looking at how often it appears across all documents D in the corpus.</a:t>
-            </a:r>
-            <a:endParaRPr lang="en-US" sz="2000" dirty="0">
-              <a:latin typeface="Calibri"/>
-            </a:endParaRPr>
-          </a:p>
-        </p:txBody>
-      </p:sp>
-      <p:sp>
-        <p:nvSpPr>
-          <p:cNvPr id="15" name="TextBox 14">
-            <a:extLst>
-              <a:ext uri="{FF2B5EF4-FFF2-40B4-BE49-F238E27FC236}">
-                <a16:creationId xmlns:a16="http://schemas.microsoft.com/office/drawing/2014/main" id="{9E14A1B8-7D47-37EA-FF78-55B45BC36B32}"/>
-              </a:ext>
-            </a:extLst>
-          </p:cNvPr>
-          <p:cNvSpPr txBox="1"/>
-          <p:nvPr/>
-        </p:nvSpPr>
-        <p:spPr>
-          <a:xfrm>
-            <a:off x="885085" y="4908775"/>
-            <a:ext cx="4440382" cy="1015663"/>
-          </a:xfrm>
-          <a:prstGeom prst="rect">
-            <a:avLst/>
-          </a:prstGeom>
-          <a:noFill/>
-        </p:spPr>
-        <p:txBody>
-          <a:bodyPr rot="0" spcFirstLastPara="0" vertOverflow="overflow" horzOverflow="overflow" vert="horz" wrap="square" lIns="91440" tIns="45720" rIns="91440" bIns="45720" numCol="1" spcCol="0" rtlCol="0" fromWordArt="0" anchor="t" anchorCtr="0" forceAA="0" compatLnSpc="1">
-            <a:prstTxWarp prst="textNoShape">
-              <a:avLst/>
-            </a:prstTxWarp>
-            <a:spAutoFit/>
-          </a:bodyPr>
-          <a:lstStyle/>
-          <a:p>
-            <a:r>
-              <a:rPr lang="en-US" sz="2000" dirty="0">
-                <a:latin typeface="Calibri"/>
-                <a:ea typeface="+mn-lt"/>
-                <a:cs typeface="+mn-lt"/>
-              </a:rPr>
-              <a:t>The final TF-IDF score for a term in a document is the product of these two</a:t>
-            </a:r>
-            <a:endParaRPr lang="en-US" sz="2000">
-              <a:latin typeface="Calibri"/>
-              <a:ea typeface="Calibri"/>
-              <a:cs typeface="Calibri"/>
-            </a:endParaRPr>
-          </a:p>
-          <a:p>
-            <a:pPr algn="l"/>
-            <a:r>
-              <a:rPr lang="en-US" sz="2000" dirty="0">
-                <a:latin typeface="Calibri"/>
-                <a:ea typeface="+mn-lt"/>
-                <a:cs typeface="+mn-lt"/>
-              </a:rPr>
-              <a:t>values.</a:t>
-            </a:r>
-            <a:endParaRPr lang="en-US" sz="2000" dirty="0">
-              <a:latin typeface="Calibri"/>
-            </a:endParaRPr>
-          </a:p>
-        </p:txBody>
-      </p:sp>
-      <p:sp>
-        <p:nvSpPr>
-          <p:cNvPr id="3" name="TextBox 2">
-            <a:extLst>
-              <a:ext uri="{FF2B5EF4-FFF2-40B4-BE49-F238E27FC236}">
-                <a16:creationId xmlns:a16="http://schemas.microsoft.com/office/drawing/2014/main" id="{FC1BED8C-9473-584A-40CF-D98D5AB23A02}"/>
-              </a:ext>
-            </a:extLst>
-          </p:cNvPr>
-          <p:cNvSpPr txBox="1"/>
-          <p:nvPr/>
-        </p:nvSpPr>
-        <p:spPr>
-          <a:xfrm>
-            <a:off x="7664532" y="3130467"/>
-            <a:ext cx="2743200" cy="923330"/>
-          </a:xfrm>
-          <a:prstGeom prst="rect">
-            <a:avLst/>
-          </a:prstGeom>
-          <a:noFill/>
-        </p:spPr>
-        <p:txBody>
-          <a:bodyPr rot="0" spcFirstLastPara="0" vertOverflow="overflow" horzOverflow="overflow" vert="horz" wrap="square" lIns="91440" tIns="45720" rIns="91440" bIns="45720" numCol="1" spcCol="0" rtlCol="0" fromWordArt="0" anchor="t" anchorCtr="0" forceAA="0" compatLnSpc="1">
-            <a:prstTxWarp prst="textNoShape">
-              <a:avLst/>
-            </a:prstTxWarp>
-            <a:spAutoFit/>
-          </a:bodyPr>
-          <a:lstStyle/>
-          <a:p>
-            <a:r>
-              <a:rPr lang="en-US" dirty="0"/>
-              <a:t>TODO: Add Word2Vec, Doc2Vec and </a:t>
-            </a:r>
-            <a:r>
-              <a:rPr lang="en-US" dirty="0" err="1"/>
-              <a:t>RoBERT</a:t>
-            </a:r>
-            <a:r>
-              <a:rPr lang="en-US" dirty="0"/>
-              <a:t> architectures. </a:t>
-            </a:r>
-          </a:p>
-        </p:txBody>
-      </p:sp>
-    </p:spTree>
-    <p:extLst>
-      <p:ext uri="{BB962C8B-B14F-4D97-AF65-F5344CB8AC3E}">
-        <p14:creationId xmlns:p14="http://schemas.microsoft.com/office/powerpoint/2010/main" val="3336682481"/>
-      </p:ext>
-    </p:extLst>
-  </p:cSld>
-  <p:clrMapOvr>
-    <a:masterClrMapping/>
-  </p:clrMapOvr>
-</p:sld>
-</file>
-
-<file path=ppt/slides/slide27.xml><?xml version="1.0" encoding="utf-8"?>
-<p:sld xmlns:a="http://schemas.openxmlformats.org/drawingml/2006/main" xmlns:r="http://schemas.openxmlformats.org/officeDocument/2006/relationships" xmlns:p="http://schemas.openxmlformats.org/presentationml/2006/main">
-  <p:cSld>
-    <p:spTree>
-      <p:nvGrpSpPr>
-        <p:cNvPr id="1" name=""/>
-        <p:cNvGrpSpPr/>
-        <p:nvPr/>
-      </p:nvGrpSpPr>
-      <p:grpSpPr>
-        <a:xfrm>
-          <a:off x="0" y="0"/>
-          <a:ext cx="0" cy="0"/>
-          <a:chOff x="0" y="0"/>
-          <a:chExt cx="0" cy="0"/>
-        </a:xfrm>
-      </p:grpSpPr>
-      <p:sp>
-        <p:nvSpPr>
-          <p:cNvPr id="2" name="Title 1">
-            <a:extLst>
-              <a:ext uri="{FF2B5EF4-FFF2-40B4-BE49-F238E27FC236}">
-                <a16:creationId xmlns:a16="http://schemas.microsoft.com/office/drawing/2014/main" id="{874D133F-AB69-CFEF-D6C3-B71B07D8530A}"/>
-              </a:ext>
-            </a:extLst>
-          </p:cNvPr>
-          <p:cNvSpPr>
-            <a:spLocks noGrp="1"/>
-          </p:cNvSpPr>
-          <p:nvPr>
-            <p:ph type="title"/>
-          </p:nvPr>
-        </p:nvSpPr>
-        <p:spPr/>
-        <p:txBody>
-          <a:bodyPr>
-            <a:normAutofit/>
-          </a:bodyPr>
-          <a:lstStyle/>
-          <a:p>
-            <a:r>
-              <a:rPr lang="en-US" sz="3600" b="1" dirty="0">
-                <a:latin typeface="Calibri"/>
-                <a:ea typeface="Calibri"/>
-                <a:cs typeface="Calibri"/>
-              </a:rPr>
-              <a:t>Dataset Overview</a:t>
-            </a:r>
-          </a:p>
-        </p:txBody>
-      </p:sp>
-      <p:sp>
-        <p:nvSpPr>
-          <p:cNvPr id="3" name="Content Placeholder 2">
-            <a:extLst>
-              <a:ext uri="{FF2B5EF4-FFF2-40B4-BE49-F238E27FC236}">
-                <a16:creationId xmlns:a16="http://schemas.microsoft.com/office/drawing/2014/main" id="{B1B0BB21-4453-3D8A-F8FD-C9B4E7D37924}"/>
-              </a:ext>
-            </a:extLst>
-          </p:cNvPr>
-          <p:cNvSpPr>
-            <a:spLocks noGrp="1"/>
-          </p:cNvSpPr>
-          <p:nvPr>
-            <p:ph idx="1"/>
-          </p:nvPr>
-        </p:nvSpPr>
-        <p:spPr>
-          <a:xfrm>
-            <a:off x="838200" y="1834806"/>
-            <a:ext cx="10515600" cy="4351338"/>
-          </a:xfrm>
-        </p:spPr>
-        <p:txBody>
-          <a:bodyPr vert="horz" lIns="91440" tIns="45720" rIns="91440" bIns="45720" rtlCol="0" anchor="t">
-            <a:normAutofit/>
-          </a:bodyPr>
-          <a:lstStyle/>
-          <a:p>
-            <a:r>
-              <a:rPr lang="en-US" sz="2000" b="1" dirty="0">
-                <a:latin typeface="Calibri"/>
-                <a:ea typeface="+mn-lt"/>
-                <a:cs typeface="+mn-lt"/>
-              </a:rPr>
-              <a:t>Source:</a:t>
-            </a:r>
-            <a:r>
-              <a:rPr lang="en-US" sz="2000" dirty="0">
-                <a:latin typeface="Calibri"/>
-                <a:ea typeface="+mn-lt"/>
-                <a:cs typeface="+mn-lt"/>
-              </a:rPr>
-              <a:t> The work began with the </a:t>
-            </a:r>
-            <a:r>
-              <a:rPr lang="en-US" sz="2000" b="1" dirty="0">
-                <a:latin typeface="Calibri"/>
-                <a:ea typeface="+mn-lt"/>
-                <a:cs typeface="+mn-lt"/>
-              </a:rPr>
-              <a:t>"NEW preprocessed dataset"</a:t>
-            </a:r>
-            <a:r>
-              <a:rPr lang="en-US" sz="2000" dirty="0">
-                <a:latin typeface="Calibri"/>
-                <a:ea typeface="+mn-lt"/>
-                <a:cs typeface="+mn-lt"/>
-              </a:rPr>
-              <a:t>, which combines articles from </a:t>
-            </a:r>
-            <a:r>
-              <a:rPr lang="en-US" sz="2000" dirty="0" err="1">
-                <a:latin typeface="Calibri"/>
-                <a:ea typeface="Calibri"/>
-                <a:cs typeface="Calibri"/>
-              </a:rPr>
-              <a:t>FakeRom</a:t>
-            </a:r>
-            <a:r>
-              <a:rPr lang="en-US" sz="2000" dirty="0">
-                <a:latin typeface="Calibri"/>
-                <a:ea typeface="+mn-lt"/>
-                <a:cs typeface="+mn-lt"/>
-              </a:rPr>
-              <a:t> and </a:t>
-            </a:r>
-            <a:r>
-              <a:rPr lang="en-US" sz="2000" dirty="0">
-                <a:latin typeface="Calibri"/>
-                <a:ea typeface="Calibri"/>
-                <a:cs typeface="Calibri"/>
-              </a:rPr>
-              <a:t>Veridica.ro</a:t>
-            </a:r>
-            <a:r>
-              <a:rPr lang="en-US" sz="2000" dirty="0">
-                <a:latin typeface="Calibri"/>
-                <a:ea typeface="+mn-lt"/>
-                <a:cs typeface="+mn-lt"/>
-              </a:rPr>
-              <a:t>.</a:t>
-            </a:r>
-          </a:p>
-          <a:p>
-            <a:r>
-              <a:rPr lang="en-US" sz="2000" b="1" dirty="0">
-                <a:latin typeface="Calibri"/>
-                <a:ea typeface="+mn-lt"/>
-                <a:cs typeface="+mn-lt"/>
-              </a:rPr>
-              <a:t>Initial State:</a:t>
-            </a:r>
-            <a:r>
-              <a:rPr lang="en-US" sz="2000" dirty="0">
-                <a:latin typeface="Calibri"/>
-                <a:ea typeface="+mn-lt"/>
-                <a:cs typeface="+mn-lt"/>
-              </a:rPr>
-              <a:t> This dataset was already balanced and contained </a:t>
-            </a:r>
-            <a:r>
-              <a:rPr lang="en-US" sz="2000" b="1" dirty="0">
-                <a:latin typeface="Calibri"/>
-                <a:ea typeface="+mn-lt"/>
-                <a:cs typeface="+mn-lt"/>
-              </a:rPr>
-              <a:t>5,160 articles</a:t>
-            </a:r>
-            <a:r>
-              <a:rPr lang="en-US" sz="2000" dirty="0">
-                <a:latin typeface="Calibri"/>
-                <a:ea typeface="+mn-lt"/>
-                <a:cs typeface="+mn-lt"/>
-              </a:rPr>
-              <a:t>.</a:t>
-            </a:r>
-            <a:endParaRPr lang="en-US" dirty="0">
-              <a:latin typeface="Calibri"/>
-            </a:endParaRPr>
-          </a:p>
-          <a:p>
-            <a:r>
-              <a:rPr lang="en-US" sz="2000" b="1" dirty="0">
-                <a:ea typeface="+mn-lt"/>
-                <a:cs typeface="+mn-lt"/>
-              </a:rPr>
-              <a:t>Data Validation:</a:t>
-            </a:r>
-            <a:r>
-              <a:rPr lang="en-US" sz="2000" dirty="0">
-                <a:ea typeface="+mn-lt"/>
-                <a:cs typeface="+mn-lt"/>
-              </a:rPr>
-              <a:t> An additional cleaning phase was performed to ensure data quality by removing duplicate articles and very short texts.</a:t>
-            </a:r>
-          </a:p>
-          <a:p>
-            <a:r>
-              <a:rPr lang="en-US" sz="2000" b="1" dirty="0">
-                <a:ea typeface="+mn-lt"/>
-                <a:cs typeface="+mn-lt"/>
-              </a:rPr>
-              <a:t>Final Dataset:</a:t>
-            </a:r>
-            <a:r>
-              <a:rPr lang="en-US" sz="2000" dirty="0">
-                <a:ea typeface="+mn-lt"/>
-                <a:cs typeface="+mn-lt"/>
-              </a:rPr>
-              <a:t> The final dataset used for all analysis consists of </a:t>
-            </a:r>
-            <a:r>
-              <a:rPr lang="en-US" sz="2000" b="1" dirty="0">
-                <a:ea typeface="+mn-lt"/>
-                <a:cs typeface="+mn-lt"/>
-              </a:rPr>
-              <a:t>4,334 unique articles</a:t>
-            </a:r>
-            <a:r>
-              <a:rPr lang="en-US" sz="2000" dirty="0">
-                <a:ea typeface="+mn-lt"/>
-                <a:cs typeface="+mn-lt"/>
-              </a:rPr>
-              <a:t>, labeled into five categories(</a:t>
-            </a:r>
-            <a:r>
-              <a:rPr lang="en-US" sz="2000" b="1" dirty="0">
-                <a:ea typeface="+mn-lt"/>
-                <a:cs typeface="+mn-lt"/>
-              </a:rPr>
-              <a:t>real</a:t>
-            </a:r>
-            <a:r>
-              <a:rPr lang="en-US" sz="2000" dirty="0">
-                <a:ea typeface="+mn-lt"/>
-                <a:cs typeface="+mn-lt"/>
-              </a:rPr>
-              <a:t>, </a:t>
-            </a:r>
-            <a:r>
-              <a:rPr lang="en-US" sz="2000" b="1" dirty="0">
-                <a:ea typeface="+mn-lt"/>
-                <a:cs typeface="+mn-lt"/>
-              </a:rPr>
-              <a:t>fake</a:t>
-            </a:r>
-            <a:r>
-              <a:rPr lang="en-US" sz="2000" dirty="0">
-                <a:ea typeface="+mn-lt"/>
-                <a:cs typeface="+mn-lt"/>
-              </a:rPr>
-              <a:t>, </a:t>
-            </a:r>
-            <a:r>
-              <a:rPr lang="en-US" sz="2000" b="1" dirty="0">
-                <a:ea typeface="+mn-lt"/>
-                <a:cs typeface="+mn-lt"/>
-              </a:rPr>
-              <a:t>misinformation</a:t>
-            </a:r>
-            <a:r>
-              <a:rPr lang="en-US" sz="2000" dirty="0">
-                <a:ea typeface="+mn-lt"/>
-                <a:cs typeface="+mn-lt"/>
-              </a:rPr>
-              <a:t>, </a:t>
-            </a:r>
-            <a:r>
-              <a:rPr lang="en-US" sz="2000" b="1" dirty="0">
-                <a:ea typeface="+mn-lt"/>
-                <a:cs typeface="+mn-lt"/>
-              </a:rPr>
-              <a:t>propaganda </a:t>
-            </a:r>
-            <a:r>
-              <a:rPr lang="en-US" sz="2000" dirty="0">
-                <a:ea typeface="+mn-lt"/>
-                <a:cs typeface="+mn-lt"/>
-              </a:rPr>
-              <a:t>or </a:t>
-            </a:r>
-            <a:r>
-              <a:rPr lang="en-US" sz="2000" b="1" dirty="0">
-                <a:ea typeface="+mn-lt"/>
-                <a:cs typeface="+mn-lt"/>
-              </a:rPr>
-              <a:t>satire</a:t>
-            </a:r>
-            <a:r>
-              <a:rPr lang="en-US" sz="2000" dirty="0">
-                <a:ea typeface="+mn-lt"/>
-                <a:cs typeface="+mn-lt"/>
-              </a:rPr>
-              <a:t>).</a:t>
-            </a:r>
-          </a:p>
-          <a:p>
-            <a:r>
-              <a:rPr lang="en-US" sz="2000" b="1" dirty="0">
-                <a:latin typeface="Calibri"/>
-                <a:ea typeface="+mn-lt"/>
-                <a:cs typeface="+mn-lt"/>
-              </a:rPr>
-              <a:t>Final Distribution:</a:t>
-            </a:r>
-            <a:r>
-              <a:rPr lang="en-US" sz="2000" dirty="0">
-                <a:latin typeface="Calibri"/>
-                <a:ea typeface="+mn-lt"/>
-                <a:cs typeface="+mn-lt"/>
-              </a:rPr>
-              <a:t> The cleaning process resulted in an imbalanced dataset: </a:t>
-            </a:r>
-            <a:r>
-              <a:rPr lang="en-US" sz="2000" dirty="0">
-                <a:latin typeface="Calibri"/>
-                <a:ea typeface="Calibri"/>
-                <a:cs typeface="Calibri"/>
-              </a:rPr>
-              <a:t>real news</a:t>
-            </a:r>
-            <a:r>
-              <a:rPr lang="en-US" sz="2000" dirty="0">
-                <a:latin typeface="Calibri"/>
-                <a:ea typeface="+mn-lt"/>
-                <a:cs typeface="+mn-lt"/>
-              </a:rPr>
-              <a:t> (23.8%), misinformation (21.1%), satire (20.1%), </a:t>
-            </a:r>
-            <a:r>
-              <a:rPr lang="en-US" sz="2000" dirty="0">
-                <a:latin typeface="Calibri"/>
-                <a:ea typeface="Calibri"/>
-                <a:cs typeface="Calibri"/>
-              </a:rPr>
-              <a:t>fake news</a:t>
-            </a:r>
-            <a:r>
-              <a:rPr lang="en-US" sz="2000" dirty="0">
-                <a:latin typeface="Calibri"/>
-                <a:ea typeface="+mn-lt"/>
-                <a:cs typeface="+mn-lt"/>
-              </a:rPr>
-              <a:t> (18.7%), and </a:t>
-            </a:r>
-            <a:r>
-              <a:rPr lang="en-US" sz="2000" dirty="0">
-                <a:latin typeface="Calibri"/>
-                <a:ea typeface="Calibri"/>
-                <a:cs typeface="Calibri"/>
-              </a:rPr>
-              <a:t>propaganda</a:t>
-            </a:r>
-            <a:r>
-              <a:rPr lang="en-US" sz="2000" dirty="0">
-                <a:latin typeface="Calibri"/>
-                <a:ea typeface="+mn-lt"/>
-                <a:cs typeface="+mn-lt"/>
-              </a:rPr>
-              <a:t> (16.2%).</a:t>
-            </a:r>
-          </a:p>
-          <a:p>
-            <a:endParaRPr lang="en-US" dirty="0"/>
-          </a:p>
-        </p:txBody>
-      </p:sp>
-    </p:spTree>
-    <p:extLst>
-      <p:ext uri="{BB962C8B-B14F-4D97-AF65-F5344CB8AC3E}">
-        <p14:creationId xmlns:p14="http://schemas.microsoft.com/office/powerpoint/2010/main" val="3904203068"/>
-      </p:ext>
-    </p:extLst>
-  </p:cSld>
-  <p:clrMapOvr>
-    <a:masterClrMapping/>
-  </p:clrMapOvr>
-</p:sld>
-</file>
-
-<file path=ppt/slides/slide28.xml><?xml version="1.0" encoding="utf-8"?>
-<p:sld xmlns:a="http://schemas.openxmlformats.org/drawingml/2006/main" xmlns:r="http://schemas.openxmlformats.org/officeDocument/2006/relationships" xmlns:p="http://schemas.openxmlformats.org/presentationml/2006/main">
-  <p:cSld>
-    <p:spTree>
-      <p:nvGrpSpPr>
-        <p:cNvPr id="1" name=""/>
-        <p:cNvGrpSpPr/>
-        <p:nvPr/>
-      </p:nvGrpSpPr>
-      <p:grpSpPr>
-        <a:xfrm>
-          <a:off x="0" y="0"/>
-          <a:ext cx="0" cy="0"/>
-          <a:chOff x="0" y="0"/>
-          <a:chExt cx="0" cy="0"/>
-        </a:xfrm>
-      </p:grpSpPr>
-      <p:sp>
-        <p:nvSpPr>
-          <p:cNvPr id="2" name="Title 1">
-            <a:extLst>
-              <a:ext uri="{FF2B5EF4-FFF2-40B4-BE49-F238E27FC236}">
-                <a16:creationId xmlns:a16="http://schemas.microsoft.com/office/drawing/2014/main" id="{32B6E3AB-51A8-C82C-8B3F-70ABE651DB7E}"/>
-              </a:ext>
-            </a:extLst>
-          </p:cNvPr>
-          <p:cNvSpPr>
-            <a:spLocks noGrp="1"/>
-          </p:cNvSpPr>
-          <p:nvPr>
-            <p:ph type="title"/>
-          </p:nvPr>
-        </p:nvSpPr>
-        <p:spPr/>
-        <p:txBody>
-          <a:bodyPr>
-            <a:normAutofit/>
-          </a:bodyPr>
-          <a:lstStyle/>
-          <a:p>
-            <a:r>
-              <a:rPr lang="en-US" sz="3600" b="1" dirty="0">
-                <a:latin typeface="Calibri"/>
-                <a:ea typeface="+mj-lt"/>
-                <a:cs typeface="+mj-lt"/>
-              </a:rPr>
-              <a:t>Classification and Clustering Algorithms -&gt; sup and </a:t>
-            </a:r>
-            <a:r>
-              <a:rPr lang="en-US" sz="3600" b="1" dirty="0" err="1">
-                <a:latin typeface="Calibri"/>
-                <a:ea typeface="+mj-lt"/>
-                <a:cs typeface="+mj-lt"/>
-              </a:rPr>
-              <a:t>unsup</a:t>
-            </a:r>
-            <a:endParaRPr lang="en-US" sz="3600" b="1" dirty="0">
-              <a:latin typeface="Calibri"/>
-              <a:ea typeface="Calibri"/>
-              <a:cs typeface="Calibri"/>
-            </a:endParaRPr>
-          </a:p>
-        </p:txBody>
-      </p:sp>
-      <p:sp>
-        <p:nvSpPr>
-          <p:cNvPr id="3" name="Content Placeholder 2">
-            <a:extLst>
-              <a:ext uri="{FF2B5EF4-FFF2-40B4-BE49-F238E27FC236}">
-                <a16:creationId xmlns:a16="http://schemas.microsoft.com/office/drawing/2014/main" id="{D718F467-40AE-3DB2-5C05-5330581FDDBE}"/>
-              </a:ext>
-            </a:extLst>
-          </p:cNvPr>
-          <p:cNvSpPr>
-            <a:spLocks noGrp="1"/>
-          </p:cNvSpPr>
-          <p:nvPr>
-            <p:ph idx="1"/>
-          </p:nvPr>
-        </p:nvSpPr>
-        <p:spPr/>
-        <p:txBody>
-          <a:bodyPr vert="horz" lIns="91440" tIns="45720" rIns="91440" bIns="45720" rtlCol="0" anchor="t">
-            <a:normAutofit/>
-          </a:bodyPr>
-          <a:lstStyle/>
-          <a:p>
-            <a:pPr marL="0" indent="0">
-              <a:buNone/>
-            </a:pPr>
-            <a:r>
-              <a:rPr lang="en-US" sz="2400" b="1" dirty="0">
-                <a:latin typeface="Calibri"/>
-                <a:ea typeface="+mn-lt"/>
-                <a:cs typeface="+mn-lt"/>
-              </a:rPr>
-              <a:t>Support Vector Machine (SVM)</a:t>
-            </a:r>
-          </a:p>
-          <a:p>
-            <a:r>
-              <a:rPr lang="en-US" sz="2000" dirty="0">
-                <a:latin typeface="Calibri"/>
-                <a:ea typeface="+mn-lt"/>
-                <a:cs typeface="+mn-lt"/>
-              </a:rPr>
-              <a:t>The main algorithm used for classification in all experiments.</a:t>
-            </a:r>
-            <a:endParaRPr lang="en-US" sz="2000" dirty="0">
-              <a:latin typeface="Calibri"/>
-              <a:ea typeface="Calibri"/>
-              <a:cs typeface="Calibri"/>
-            </a:endParaRPr>
-          </a:p>
-          <a:p>
-            <a:r>
-              <a:rPr lang="en-US" sz="2000" dirty="0">
-                <a:latin typeface="Calibri"/>
-                <a:ea typeface="+mn-lt"/>
-                <a:cs typeface="+mn-lt"/>
-              </a:rPr>
-              <a:t>Works by finding the best possible boundary (hyperplane) to separate the different news categories.</a:t>
-            </a:r>
-            <a:endParaRPr lang="en-US" sz="2000" dirty="0">
-              <a:latin typeface="Calibri"/>
-              <a:ea typeface="Calibri"/>
-              <a:cs typeface="Calibri"/>
-            </a:endParaRPr>
-          </a:p>
-          <a:p>
-            <a:r>
-              <a:rPr lang="en-US" sz="2000" dirty="0">
-                <a:latin typeface="Calibri"/>
-                <a:ea typeface="+mn-lt"/>
-                <a:cs typeface="+mn-lt"/>
-              </a:rPr>
-              <a:t>Chosen to ensure a fair and direct comparison between all text representation methods.</a:t>
-            </a:r>
-            <a:endParaRPr lang="en-US" sz="2000" dirty="0">
-              <a:latin typeface="Calibri"/>
-              <a:ea typeface="Calibri"/>
-              <a:cs typeface="Calibri"/>
-            </a:endParaRPr>
-          </a:p>
-          <a:p>
-            <a:pPr marL="0" indent="0">
-              <a:buNone/>
-            </a:pPr>
-            <a:r>
-              <a:rPr lang="en-US" sz="2400" b="1" dirty="0">
-                <a:latin typeface="Calibri"/>
-                <a:ea typeface="+mn-lt"/>
-                <a:cs typeface="+mn-lt"/>
-              </a:rPr>
-              <a:t>K-Means Clustering</a:t>
-            </a:r>
-          </a:p>
-          <a:p>
-            <a:pPr>
-              <a:buFont typeface="Arial"/>
-              <a:buChar char="•"/>
-            </a:pPr>
-            <a:r>
-              <a:rPr lang="en-US" sz="2000" dirty="0">
-                <a:latin typeface="Calibri"/>
-                <a:ea typeface="+mn-lt"/>
-                <a:cs typeface="+mn-lt"/>
-              </a:rPr>
-              <a:t>Used to automatically group similar documents into clusters based on their </a:t>
-            </a:r>
-            <a:r>
-              <a:rPr lang="en-US" sz="2000" dirty="0">
-                <a:latin typeface="Calibri"/>
-                <a:ea typeface="Calibri"/>
-                <a:cs typeface="Calibri"/>
-              </a:rPr>
-              <a:t>Doc2Vec</a:t>
-            </a:r>
-            <a:r>
-              <a:rPr lang="en-US" sz="2000" dirty="0">
-                <a:latin typeface="Calibri"/>
-                <a:ea typeface="+mn-lt"/>
-                <a:cs typeface="+mn-lt"/>
-              </a:rPr>
-              <a:t> vectors.</a:t>
-            </a:r>
-            <a:endParaRPr lang="en-US" sz="2000" dirty="0">
-              <a:latin typeface="Calibri"/>
-              <a:ea typeface="Calibri"/>
-              <a:cs typeface="Calibri"/>
-            </a:endParaRPr>
-          </a:p>
-          <a:p>
-            <a:pPr>
-              <a:buFont typeface="Arial"/>
-              <a:buChar char="•"/>
-            </a:pPr>
-            <a:r>
-              <a:rPr lang="en-US" sz="2000" dirty="0">
-                <a:latin typeface="Calibri"/>
-                <a:ea typeface="+mn-lt"/>
-                <a:cs typeface="+mn-lt"/>
-              </a:rPr>
-              <a:t>Its role was for </a:t>
-            </a:r>
-            <a:r>
-              <a:rPr lang="en-US" sz="2000" b="1" dirty="0">
-                <a:latin typeface="Calibri"/>
-                <a:ea typeface="+mn-lt"/>
-                <a:cs typeface="+mn-lt"/>
-              </a:rPr>
-              <a:t>feature engineering</a:t>
-            </a:r>
-            <a:r>
-              <a:rPr lang="en-US" sz="2000" dirty="0">
-                <a:latin typeface="Calibri"/>
-                <a:ea typeface="+mn-lt"/>
-                <a:cs typeface="+mn-lt"/>
-              </a:rPr>
-              <a:t>: the ID of the cluster a document belonged to was used as a single feature in the hybrid model.</a:t>
-            </a:r>
-            <a:endParaRPr lang="en-US" sz="2000" dirty="0">
-              <a:latin typeface="Calibri"/>
-            </a:endParaRPr>
-          </a:p>
-        </p:txBody>
-      </p:sp>
-    </p:spTree>
-    <p:extLst>
-      <p:ext uri="{BB962C8B-B14F-4D97-AF65-F5344CB8AC3E}">
-        <p14:creationId xmlns:p14="http://schemas.microsoft.com/office/powerpoint/2010/main" val="2874010097"/>
-      </p:ext>
-    </p:extLst>
-  </p:cSld>
-  <p:clrMapOvr>
-    <a:masterClrMapping/>
-  </p:clrMapOvr>
-</p:sld>
-</file>
-
-<file path=ppt/slides/slide29.xml><?xml version="1.0" encoding="utf-8"?>
-<p:sld xmlns:a="http://schemas.openxmlformats.org/drawingml/2006/main" xmlns:r="http://schemas.openxmlformats.org/officeDocument/2006/relationships" xmlns:p="http://schemas.openxmlformats.org/presentationml/2006/main">
-  <p:cSld>
-    <p:spTree>
-      <p:nvGrpSpPr>
-        <p:cNvPr id="1" name=""/>
-        <p:cNvGrpSpPr/>
-        <p:nvPr/>
-      </p:nvGrpSpPr>
-      <p:grpSpPr>
-        <a:xfrm>
-          <a:off x="0" y="0"/>
-          <a:ext cx="0" cy="0"/>
-          <a:chOff x="0" y="0"/>
-          <a:chExt cx="0" cy="0"/>
-        </a:xfrm>
-      </p:grpSpPr>
-      <p:sp>
-        <p:nvSpPr>
-          <p:cNvPr id="2" name="Title 1">
-            <a:extLst>
-              <a:ext uri="{FF2B5EF4-FFF2-40B4-BE49-F238E27FC236}">
-                <a16:creationId xmlns:a16="http://schemas.microsoft.com/office/drawing/2014/main" id="{F0169B4D-40F7-3327-B589-2511988AF3DC}"/>
-              </a:ext>
-            </a:extLst>
-          </p:cNvPr>
-          <p:cNvSpPr>
-            <a:spLocks noGrp="1"/>
-          </p:cNvSpPr>
-          <p:nvPr>
-            <p:ph type="title"/>
-          </p:nvPr>
-        </p:nvSpPr>
-        <p:spPr/>
-        <p:txBody>
-          <a:bodyPr>
-            <a:normAutofit/>
-          </a:bodyPr>
-          <a:lstStyle/>
-          <a:p>
-            <a:r>
-              <a:rPr lang="en-US" sz="3600" b="1" dirty="0">
-                <a:latin typeface="Calibri"/>
-                <a:ea typeface="+mj-lt"/>
-                <a:cs typeface="+mj-lt"/>
-              </a:rPr>
-              <a:t>Dataset Analysis: </a:t>
-            </a:r>
-            <a:r>
-              <a:rPr lang="en-US" sz="3600" b="1" dirty="0">
-                <a:latin typeface="Calibri"/>
-                <a:ea typeface="Calibri"/>
-                <a:cs typeface="Calibri"/>
-              </a:rPr>
-              <a:t>Lexical and Syntactic Analysis</a:t>
-            </a:r>
-            <a:endParaRPr lang="en-US" sz="3600" dirty="0">
-              <a:latin typeface="Calibri"/>
-              <a:ea typeface="Calibri"/>
-              <a:cs typeface="Calibri"/>
-            </a:endParaRPr>
-          </a:p>
-        </p:txBody>
-      </p:sp>
-      <p:sp>
-        <p:nvSpPr>
-          <p:cNvPr id="3" name="Content Placeholder 2">
-            <a:extLst>
-              <a:ext uri="{FF2B5EF4-FFF2-40B4-BE49-F238E27FC236}">
-                <a16:creationId xmlns:a16="http://schemas.microsoft.com/office/drawing/2014/main" id="{0ED12DDD-FC08-4295-8080-2F7BE439452A}"/>
-              </a:ext>
-            </a:extLst>
-          </p:cNvPr>
-          <p:cNvSpPr>
-            <a:spLocks noGrp="1"/>
-          </p:cNvSpPr>
-          <p:nvPr>
-            <p:ph idx="1"/>
-          </p:nvPr>
-        </p:nvSpPr>
-        <p:spPr>
-          <a:xfrm>
-            <a:off x="838200" y="1825625"/>
-            <a:ext cx="10515600" cy="4351338"/>
-          </a:xfrm>
-        </p:spPr>
-        <p:txBody>
-          <a:bodyPr vert="horz" lIns="91440" tIns="45720" rIns="91440" bIns="45720" rtlCol="0" anchor="t">
-            <a:normAutofit/>
-          </a:bodyPr>
-          <a:lstStyle/>
-          <a:p>
-            <a:r>
-              <a:rPr lang="en-US" sz="2000" b="1" dirty="0">
-                <a:latin typeface="Calibri"/>
-                <a:ea typeface="+mn-lt"/>
-                <a:cs typeface="+mn-lt"/>
-              </a:rPr>
-              <a:t>Article Length:</a:t>
-            </a:r>
-            <a:r>
-              <a:rPr lang="en-US" sz="2000" dirty="0">
-                <a:latin typeface="Calibri"/>
-                <a:ea typeface="+mn-lt"/>
-                <a:cs typeface="+mn-lt"/>
-              </a:rPr>
-              <a:t> Disinformation-related articles (</a:t>
-            </a:r>
-            <a:r>
-              <a:rPr lang="en-US" sz="2000" dirty="0">
-                <a:latin typeface="Calibri"/>
-                <a:ea typeface="Calibri"/>
-                <a:cs typeface="Calibri"/>
-              </a:rPr>
-              <a:t>fake</a:t>
-            </a:r>
-            <a:r>
-              <a:rPr lang="en-US" sz="2000" dirty="0">
-                <a:latin typeface="Calibri"/>
-                <a:ea typeface="+mn-lt"/>
-                <a:cs typeface="+mn-lt"/>
-              </a:rPr>
-              <a:t>, </a:t>
-            </a:r>
-            <a:r>
-              <a:rPr lang="en-US" sz="2000" dirty="0">
-                <a:latin typeface="Calibri"/>
-                <a:ea typeface="Calibri"/>
-                <a:cs typeface="Calibri"/>
-              </a:rPr>
-              <a:t>propaganda</a:t>
-            </a:r>
-            <a:r>
-              <a:rPr lang="en-US" sz="2000" dirty="0">
-                <a:latin typeface="Calibri"/>
-                <a:ea typeface="+mn-lt"/>
-                <a:cs typeface="+mn-lt"/>
-              </a:rPr>
-              <a:t>) tend to be longer than </a:t>
-            </a:r>
-            <a:r>
-              <a:rPr lang="en-US" sz="2000" dirty="0">
-                <a:latin typeface="Calibri"/>
-                <a:ea typeface="Calibri"/>
-                <a:cs typeface="Calibri"/>
-              </a:rPr>
-              <a:t>real</a:t>
-            </a:r>
-            <a:r>
-              <a:rPr lang="en-US" sz="2000" dirty="0">
-                <a:latin typeface="Calibri"/>
-                <a:ea typeface="+mn-lt"/>
-                <a:cs typeface="+mn-lt"/>
-              </a:rPr>
-              <a:t> or </a:t>
-            </a:r>
-            <a:r>
-              <a:rPr lang="en-US" sz="2000" dirty="0">
-                <a:latin typeface="Calibri"/>
-                <a:ea typeface="Calibri"/>
-                <a:cs typeface="Calibri"/>
-              </a:rPr>
-              <a:t>satire</a:t>
-            </a:r>
-            <a:r>
-              <a:rPr lang="en-US" sz="2000" dirty="0">
-                <a:latin typeface="Calibri"/>
-                <a:ea typeface="+mn-lt"/>
-                <a:cs typeface="+mn-lt"/>
-              </a:rPr>
-              <a:t> news. On average, a fake news article is </a:t>
-            </a:r>
-            <a:r>
-              <a:rPr lang="en-US" sz="2000" b="1" dirty="0">
-                <a:latin typeface="Calibri"/>
-                <a:ea typeface="+mn-lt"/>
-                <a:cs typeface="+mn-lt"/>
-              </a:rPr>
-              <a:t>85% longer</a:t>
-            </a:r>
-            <a:r>
-              <a:rPr lang="en-US" sz="2000" dirty="0">
-                <a:latin typeface="Calibri"/>
-                <a:ea typeface="+mn-lt"/>
-                <a:cs typeface="+mn-lt"/>
-              </a:rPr>
-              <a:t> than a real one.</a:t>
-            </a:r>
-            <a:endParaRPr lang="en-US" sz="2000" dirty="0">
-              <a:latin typeface="Calibri"/>
-              <a:ea typeface="Calibri"/>
-              <a:cs typeface="Calibri"/>
-            </a:endParaRPr>
-          </a:p>
-          <a:p>
-            <a:r>
-              <a:rPr lang="en-US" sz="2000" b="1" dirty="0">
-                <a:latin typeface="Calibri"/>
-                <a:ea typeface="+mn-lt"/>
-                <a:cs typeface="+mn-lt"/>
-              </a:rPr>
-              <a:t>Vocabulary Size:</a:t>
-            </a:r>
-            <a:r>
-              <a:rPr lang="en-US" sz="2000" dirty="0">
-                <a:latin typeface="Calibri"/>
-                <a:ea typeface="+mn-lt"/>
-                <a:cs typeface="+mn-lt"/>
-              </a:rPr>
-              <a:t> </a:t>
-            </a:r>
-            <a:r>
-              <a:rPr lang="en-US" sz="2000" dirty="0">
-                <a:latin typeface="Calibri"/>
-                <a:ea typeface="Calibri"/>
-                <a:cs typeface="Calibri"/>
-              </a:rPr>
-              <a:t>Fake news</a:t>
-            </a:r>
-            <a:r>
-              <a:rPr lang="en-US" sz="2000" dirty="0">
-                <a:latin typeface="Calibri"/>
-                <a:ea typeface="+mn-lt"/>
-                <a:cs typeface="+mn-lt"/>
-              </a:rPr>
-              <a:t> and </a:t>
-            </a:r>
-            <a:r>
-              <a:rPr lang="en-US" sz="2000" dirty="0">
-                <a:latin typeface="Calibri"/>
-                <a:ea typeface="Calibri"/>
-                <a:cs typeface="Calibri"/>
-              </a:rPr>
-              <a:t>real news</a:t>
-            </a:r>
-            <a:r>
-              <a:rPr lang="en-US" sz="2000" dirty="0">
-                <a:latin typeface="Calibri"/>
-                <a:ea typeface="+mn-lt"/>
-                <a:cs typeface="+mn-lt"/>
-              </a:rPr>
-              <a:t> use the largest vocabularies, suggesting they cover diverse topics. </a:t>
-            </a:r>
-            <a:r>
-              <a:rPr lang="en-US" sz="2000" dirty="0">
-                <a:latin typeface="Calibri"/>
-                <a:ea typeface="Calibri"/>
-                <a:cs typeface="Calibri"/>
-              </a:rPr>
-              <a:t>Satire</a:t>
-            </a:r>
-            <a:r>
-              <a:rPr lang="en-US" sz="2000" dirty="0">
-                <a:latin typeface="Calibri"/>
-                <a:ea typeface="+mn-lt"/>
-                <a:cs typeface="+mn-lt"/>
-              </a:rPr>
-              <a:t> has the smallest and most focused vocabulary.</a:t>
-            </a:r>
-            <a:endParaRPr lang="en-US" sz="2000" dirty="0">
-              <a:latin typeface="Calibri"/>
-              <a:ea typeface="Calibri"/>
-              <a:cs typeface="Calibri"/>
-            </a:endParaRPr>
-          </a:p>
-          <a:p>
-            <a:r>
-              <a:rPr lang="en-US" sz="2000" b="1" dirty="0">
-                <a:latin typeface="Calibri"/>
-                <a:ea typeface="+mn-lt"/>
-                <a:cs typeface="+mn-lt"/>
-              </a:rPr>
-              <a:t>Grammatical Structure (POS):</a:t>
-            </a:r>
-            <a:r>
-              <a:rPr lang="en-US" sz="2000" dirty="0">
-                <a:latin typeface="Calibri"/>
-                <a:ea typeface="+mn-lt"/>
-                <a:cs typeface="+mn-lt"/>
-              </a:rPr>
-              <a:t> Analysis of nouns, verbs, adjectives, and adverbs shows that disinformation articles use significantly more </a:t>
-            </a:r>
-            <a:r>
-              <a:rPr lang="en-US" sz="2000" b="1" dirty="0">
-                <a:latin typeface="Calibri"/>
-                <a:ea typeface="+mn-lt"/>
-                <a:cs typeface="+mn-lt"/>
-              </a:rPr>
-              <a:t>nouns and adjectives</a:t>
-            </a:r>
-            <a:r>
-              <a:rPr lang="en-US" sz="2000" dirty="0">
-                <a:latin typeface="Calibri"/>
-                <a:ea typeface="+mn-lt"/>
-                <a:cs typeface="+mn-lt"/>
-              </a:rPr>
-              <a:t>, suggesting a more descriptive and evocative writing style.</a:t>
-            </a:r>
-            <a:endParaRPr lang="en-US" sz="2000" dirty="0">
-              <a:latin typeface="Calibri"/>
-              <a:ea typeface="Calibri"/>
-              <a:cs typeface="Calibri"/>
-            </a:endParaRPr>
-          </a:p>
-          <a:p>
-            <a:r>
-              <a:rPr lang="en-US" sz="2000" b="1" dirty="0">
-                <a:latin typeface="Calibri"/>
-                <a:ea typeface="+mn-lt"/>
-                <a:cs typeface="+mn-lt"/>
-              </a:rPr>
-              <a:t>Named Entities (NER):</a:t>
-            </a:r>
-            <a:r>
-              <a:rPr lang="en-US" sz="2000" dirty="0">
-                <a:latin typeface="Calibri"/>
-                <a:ea typeface="+mn-lt"/>
-                <a:cs typeface="+mn-lt"/>
-              </a:rPr>
-              <a:t> Disinformation articles have a higher </a:t>
-            </a:r>
-            <a:r>
-              <a:rPr lang="en-US" sz="2000" b="1" dirty="0">
-                <a:latin typeface="Calibri"/>
-                <a:ea typeface="+mn-lt"/>
-                <a:cs typeface="+mn-lt"/>
-              </a:rPr>
-              <a:t>average number of entities</a:t>
-            </a:r>
-            <a:r>
-              <a:rPr lang="en-US" sz="2000" dirty="0">
-                <a:latin typeface="Calibri"/>
-                <a:ea typeface="+mn-lt"/>
-                <a:cs typeface="+mn-lt"/>
-              </a:rPr>
-              <a:t> (people, organizations, etc.) per article. </a:t>
-            </a:r>
-            <a:r>
-              <a:rPr lang="en-US" sz="2000" dirty="0">
-                <a:latin typeface="Calibri"/>
-                <a:ea typeface="Calibri"/>
-                <a:cs typeface="Calibri"/>
-              </a:rPr>
-              <a:t>Misinformation</a:t>
-            </a:r>
-            <a:r>
-              <a:rPr lang="en-US" sz="2000" dirty="0">
-                <a:latin typeface="Calibri"/>
-                <a:ea typeface="+mn-lt"/>
-                <a:cs typeface="+mn-lt"/>
-              </a:rPr>
-              <a:t>, in particular, overuses references to </a:t>
-            </a:r>
-            <a:r>
-              <a:rPr lang="en-US" sz="2000" b="1" dirty="0">
-                <a:latin typeface="Calibri"/>
-                <a:ea typeface="+mn-lt"/>
-                <a:cs typeface="+mn-lt"/>
-              </a:rPr>
-              <a:t>political and national groups</a:t>
-            </a:r>
-            <a:r>
-              <a:rPr lang="en-US" sz="2000" dirty="0">
-                <a:latin typeface="Calibri"/>
-                <a:ea typeface="+mn-lt"/>
-                <a:cs typeface="+mn-lt"/>
-              </a:rPr>
-              <a:t>.</a:t>
-            </a:r>
-          </a:p>
-          <a:p>
-            <a:r>
-              <a:rPr lang="en-US" sz="2000" b="1" dirty="0">
-                <a:latin typeface="Calibri"/>
-                <a:ea typeface="+mn-lt"/>
-                <a:cs typeface="+mn-lt"/>
-              </a:rPr>
-              <a:t>Word Clouds:</a:t>
-            </a:r>
-            <a:r>
-              <a:rPr lang="en-US" sz="2000" dirty="0">
-                <a:latin typeface="Calibri"/>
-                <a:ea typeface="+mn-lt"/>
-                <a:cs typeface="+mn-lt"/>
-              </a:rPr>
-              <a:t> Word clouds revealed that each category has a distinct focus: real news uses institutional language, fake news and satire use conspiracy terms, propaganda uses pseudo-scientific language, and misinformation focuses on socio-economic and political themes.</a:t>
-            </a:r>
-            <a:endParaRPr lang="en-US" sz="2000" dirty="0">
-              <a:latin typeface="Calibri"/>
-              <a:ea typeface="Calibri"/>
-              <a:cs typeface="Calibri"/>
-            </a:endParaRPr>
-          </a:p>
-          <a:p>
-            <a:endParaRPr lang="en-US" sz="2000" dirty="0">
-              <a:latin typeface="Calibri"/>
-              <a:ea typeface="Calibri"/>
-              <a:cs typeface="Calibri"/>
-            </a:endParaRPr>
-          </a:p>
-        </p:txBody>
-      </p:sp>
-    </p:spTree>
-    <p:extLst>
-      <p:ext uri="{BB962C8B-B14F-4D97-AF65-F5344CB8AC3E}">
-        <p14:creationId xmlns:p14="http://schemas.microsoft.com/office/powerpoint/2010/main" val="1891246728"/>
-      </p:ext>
-    </p:extLst>
-  </p:cSld>
-  <p:clrMapOvr>
-    <a:masterClrMapping/>
-  </p:clrMapOvr>
-</p:sld>
-</file>
-
 <file path=ppt/slides/slide3.xml><?xml version="1.0" encoding="utf-8"?>
 <p:sld xmlns:a="http://schemas.openxmlformats.org/drawingml/2006/main" xmlns:r="http://schemas.openxmlformats.org/officeDocument/2006/relationships" xmlns:p="http://schemas.openxmlformats.org/presentationml/2006/main">
   <p:cSld>
@@ -8934,1498 +6962,6 @@
     <p:extLst>
       <p:ext uri="{BB962C8B-B14F-4D97-AF65-F5344CB8AC3E}">
         <p14:creationId xmlns:p14="http://schemas.microsoft.com/office/powerpoint/2010/main" val="2019913077"/>
-      </p:ext>
-    </p:extLst>
-  </p:cSld>
-  <p:clrMapOvr>
-    <a:masterClrMapping/>
-  </p:clrMapOvr>
-</p:sld>
-</file>
-
-<file path=ppt/slides/slide30.xml><?xml version="1.0" encoding="utf-8"?>
-<p:sld xmlns:a="http://schemas.openxmlformats.org/drawingml/2006/main" xmlns:r="http://schemas.openxmlformats.org/officeDocument/2006/relationships" xmlns:p="http://schemas.openxmlformats.org/presentationml/2006/main">
-  <p:cSld>
-    <p:spTree>
-      <p:nvGrpSpPr>
-        <p:cNvPr id="1" name=""/>
-        <p:cNvGrpSpPr/>
-        <p:nvPr/>
-      </p:nvGrpSpPr>
-      <p:grpSpPr>
-        <a:xfrm>
-          <a:off x="0" y="0"/>
-          <a:ext cx="0" cy="0"/>
-          <a:chOff x="0" y="0"/>
-          <a:chExt cx="0" cy="0"/>
-        </a:xfrm>
-      </p:grpSpPr>
-      <p:sp>
-        <p:nvSpPr>
-          <p:cNvPr id="2" name="Title 1">
-            <a:extLst>
-              <a:ext uri="{FF2B5EF4-FFF2-40B4-BE49-F238E27FC236}">
-                <a16:creationId xmlns:a16="http://schemas.microsoft.com/office/drawing/2014/main" id="{23F334B1-0678-EC2E-E393-7AE5A44B0429}"/>
-              </a:ext>
-            </a:extLst>
-          </p:cNvPr>
-          <p:cNvSpPr>
-            <a:spLocks noGrp="1"/>
-          </p:cNvSpPr>
-          <p:nvPr>
-            <p:ph type="title"/>
-          </p:nvPr>
-        </p:nvSpPr>
-        <p:spPr>
-          <a:xfrm>
-            <a:off x="858252" y="495467"/>
-            <a:ext cx="5121442" cy="1526089"/>
-          </a:xfrm>
-        </p:spPr>
-        <p:txBody>
-          <a:bodyPr>
-            <a:normAutofit/>
-          </a:bodyPr>
-          <a:lstStyle/>
-          <a:p>
-            <a:r>
-              <a:rPr lang="en-US" sz="3600" b="1" dirty="0">
-                <a:latin typeface="Calibri"/>
-                <a:ea typeface="Calibri"/>
-                <a:cs typeface="Calibri"/>
-              </a:rPr>
-              <a:t>Dataset Analysis: Lexical and Syntactic Analysis</a:t>
-            </a:r>
-            <a:endParaRPr lang="en-US" sz="3600" dirty="0">
-              <a:latin typeface="Calibri"/>
-              <a:ea typeface="Calibri"/>
-              <a:cs typeface="Calibri"/>
-            </a:endParaRPr>
-          </a:p>
-        </p:txBody>
-      </p:sp>
-      <p:pic>
-        <p:nvPicPr>
-          <p:cNvPr id="3" name="Picture 2" descr="A graph of different colored bars&#10;&#10;AI-generated content may be incorrect.">
-            <a:extLst>
-              <a:ext uri="{FF2B5EF4-FFF2-40B4-BE49-F238E27FC236}">
-                <a16:creationId xmlns:a16="http://schemas.microsoft.com/office/drawing/2014/main" id="{101A0E59-39FB-563F-F72D-E6C1C9E7DFCB}"/>
-              </a:ext>
-            </a:extLst>
-          </p:cNvPr>
-          <p:cNvPicPr>
-            <a:picLocks noChangeAspect="1"/>
-          </p:cNvPicPr>
-          <p:nvPr/>
-        </p:nvPicPr>
-        <p:blipFill>
-          <a:blip r:embed="rId2"/>
-          <a:stretch>
-            <a:fillRect/>
-          </a:stretch>
-        </p:blipFill>
-        <p:spPr>
-          <a:xfrm>
-            <a:off x="240630" y="3318710"/>
-            <a:ext cx="5735053" cy="3278605"/>
-          </a:xfrm>
-          <a:prstGeom prst="rect">
-            <a:avLst/>
-          </a:prstGeom>
-        </p:spPr>
-      </p:pic>
-      <p:pic>
-        <p:nvPicPr>
-          <p:cNvPr id="6" name="Picture 5" descr="A graph of different colored bars&#10;&#10;AI-generated content may be incorrect.">
-            <a:extLst>
-              <a:ext uri="{FF2B5EF4-FFF2-40B4-BE49-F238E27FC236}">
-                <a16:creationId xmlns:a16="http://schemas.microsoft.com/office/drawing/2014/main" id="{DDA35802-21B1-0DE3-EBE2-54B258C3BADF}"/>
-              </a:ext>
-            </a:extLst>
-          </p:cNvPr>
-          <p:cNvPicPr>
-            <a:picLocks noChangeAspect="1"/>
-          </p:cNvPicPr>
-          <p:nvPr/>
-        </p:nvPicPr>
-        <p:blipFill>
-          <a:blip r:embed="rId3"/>
-          <a:stretch>
-            <a:fillRect/>
-          </a:stretch>
-        </p:blipFill>
-        <p:spPr>
-          <a:xfrm>
-            <a:off x="6266447" y="155407"/>
-            <a:ext cx="5544554" cy="3168317"/>
-          </a:xfrm>
-          <a:prstGeom prst="rect">
-            <a:avLst/>
-          </a:prstGeom>
-        </p:spPr>
-      </p:pic>
-      <p:pic>
-        <p:nvPicPr>
-          <p:cNvPr id="8" name="Picture 7" descr="A graph of a number of columns&#10;&#10;AI-generated content may be incorrect.">
-            <a:extLst>
-              <a:ext uri="{FF2B5EF4-FFF2-40B4-BE49-F238E27FC236}">
-                <a16:creationId xmlns:a16="http://schemas.microsoft.com/office/drawing/2014/main" id="{26A08A1D-F4EE-8FF3-2A32-2ACB7E3A160C}"/>
-              </a:ext>
-            </a:extLst>
-          </p:cNvPr>
-          <p:cNvPicPr>
-            <a:picLocks noChangeAspect="1"/>
-          </p:cNvPicPr>
-          <p:nvPr/>
-        </p:nvPicPr>
-        <p:blipFill>
-          <a:blip r:embed="rId4"/>
-          <a:stretch>
-            <a:fillRect/>
-          </a:stretch>
-        </p:blipFill>
-        <p:spPr>
-          <a:xfrm>
-            <a:off x="6266447" y="3393907"/>
-            <a:ext cx="5544553" cy="3278604"/>
-          </a:xfrm>
-          <a:prstGeom prst="rect">
-            <a:avLst/>
-          </a:prstGeom>
-        </p:spPr>
-      </p:pic>
-    </p:spTree>
-    <p:extLst>
-      <p:ext uri="{BB962C8B-B14F-4D97-AF65-F5344CB8AC3E}">
-        <p14:creationId xmlns:p14="http://schemas.microsoft.com/office/powerpoint/2010/main" val="1208425897"/>
-      </p:ext>
-    </p:extLst>
-  </p:cSld>
-  <p:clrMapOvr>
-    <a:masterClrMapping/>
-  </p:clrMapOvr>
-</p:sld>
-</file>
-
-<file path=ppt/slides/slide31.xml><?xml version="1.0" encoding="utf-8"?>
-<p:sld xmlns:a="http://schemas.openxmlformats.org/drawingml/2006/main" xmlns:r="http://schemas.openxmlformats.org/officeDocument/2006/relationships" xmlns:p="http://schemas.openxmlformats.org/presentationml/2006/main">
-  <p:cSld>
-    <p:spTree>
-      <p:nvGrpSpPr>
-        <p:cNvPr id="1" name=""/>
-        <p:cNvGrpSpPr/>
-        <p:nvPr/>
-      </p:nvGrpSpPr>
-      <p:grpSpPr>
-        <a:xfrm>
-          <a:off x="0" y="0"/>
-          <a:ext cx="0" cy="0"/>
-          <a:chOff x="0" y="0"/>
-          <a:chExt cx="0" cy="0"/>
-        </a:xfrm>
-      </p:grpSpPr>
-      <p:sp>
-        <p:nvSpPr>
-          <p:cNvPr id="2" name="Title 1">
-            <a:extLst>
-              <a:ext uri="{FF2B5EF4-FFF2-40B4-BE49-F238E27FC236}">
-                <a16:creationId xmlns:a16="http://schemas.microsoft.com/office/drawing/2014/main" id="{5351AFF3-395D-F93B-1405-9DFCBAB1F8D4}"/>
-              </a:ext>
-            </a:extLst>
-          </p:cNvPr>
-          <p:cNvSpPr>
-            <a:spLocks noGrp="1"/>
-          </p:cNvSpPr>
-          <p:nvPr>
-            <p:ph type="title"/>
-          </p:nvPr>
-        </p:nvSpPr>
-        <p:spPr/>
-        <p:txBody>
-          <a:bodyPr>
-            <a:normAutofit/>
-          </a:bodyPr>
-          <a:lstStyle/>
-          <a:p>
-            <a:r>
-              <a:rPr lang="en-US" sz="3600" b="1" dirty="0">
-                <a:latin typeface="Calibri"/>
-                <a:ea typeface="+mj-lt"/>
-                <a:cs typeface="+mj-lt"/>
-              </a:rPr>
-              <a:t>Dataset Analysis: Emotion &amp; Sentiment Analysis</a:t>
-            </a:r>
-            <a:endParaRPr lang="en-US" sz="3600" b="1" dirty="0">
-              <a:latin typeface="Calibri"/>
-            </a:endParaRPr>
-          </a:p>
-        </p:txBody>
-      </p:sp>
-      <p:sp>
-        <p:nvSpPr>
-          <p:cNvPr id="3" name="Content Placeholder 2">
-            <a:extLst>
-              <a:ext uri="{FF2B5EF4-FFF2-40B4-BE49-F238E27FC236}">
-                <a16:creationId xmlns:a16="http://schemas.microsoft.com/office/drawing/2014/main" id="{DF6AB397-7ED8-13CB-CF0B-62A8B21EF07B}"/>
-              </a:ext>
-            </a:extLst>
-          </p:cNvPr>
-          <p:cNvSpPr>
-            <a:spLocks noGrp="1"/>
-          </p:cNvSpPr>
-          <p:nvPr>
-            <p:ph idx="1"/>
-          </p:nvPr>
-        </p:nvSpPr>
-        <p:spPr/>
-        <p:txBody>
-          <a:bodyPr vert="horz" lIns="91440" tIns="45720" rIns="91440" bIns="45720" rtlCol="0" anchor="t">
-            <a:normAutofit/>
-          </a:bodyPr>
-          <a:lstStyle/>
-          <a:p>
-            <a:r>
-              <a:rPr lang="en-US" sz="2000" b="1" dirty="0">
-                <a:latin typeface="Calibri"/>
-                <a:ea typeface="+mn-lt"/>
-                <a:cs typeface="+mn-lt"/>
-              </a:rPr>
-              <a:t>More Emotional Language:</a:t>
-            </a:r>
-            <a:r>
-              <a:rPr lang="en-US" sz="2000" dirty="0">
-                <a:latin typeface="Calibri"/>
-                <a:ea typeface="+mn-lt"/>
-                <a:cs typeface="+mn-lt"/>
-              </a:rPr>
-              <a:t> An average </a:t>
-            </a:r>
-            <a:r>
-              <a:rPr lang="en-US" sz="2000" dirty="0">
-                <a:latin typeface="Calibri"/>
-                <a:ea typeface="Calibri"/>
-                <a:cs typeface="Calibri"/>
-              </a:rPr>
-              <a:t>fake news</a:t>
-            </a:r>
-            <a:r>
-              <a:rPr lang="en-US" sz="2000" dirty="0">
-                <a:latin typeface="Calibri"/>
-                <a:ea typeface="+mn-lt"/>
-                <a:cs typeface="+mn-lt"/>
-              </a:rPr>
-              <a:t> article uses </a:t>
-            </a:r>
-            <a:r>
-              <a:rPr lang="en-US" sz="2000" b="1" dirty="0">
-                <a:latin typeface="Calibri"/>
-                <a:ea typeface="+mn-lt"/>
-                <a:cs typeface="+mn-lt"/>
-              </a:rPr>
-              <a:t>more than double</a:t>
-            </a:r>
-            <a:r>
-              <a:rPr lang="en-US" sz="2000" dirty="0">
-                <a:latin typeface="Calibri"/>
-                <a:ea typeface="+mn-lt"/>
-                <a:cs typeface="+mn-lt"/>
-              </a:rPr>
-              <a:t> the number of emotionally-charged words compared to a </a:t>
-            </a:r>
-            <a:r>
-              <a:rPr lang="en-US" sz="2000" dirty="0">
-                <a:latin typeface="Calibri"/>
-                <a:ea typeface="Calibri"/>
-                <a:cs typeface="Calibri"/>
-              </a:rPr>
-              <a:t>real news</a:t>
-            </a:r>
-            <a:r>
-              <a:rPr lang="en-US" sz="2000" dirty="0">
-                <a:latin typeface="Calibri"/>
-                <a:ea typeface="+mn-lt"/>
-                <a:cs typeface="+mn-lt"/>
-              </a:rPr>
-              <a:t> article.</a:t>
-            </a:r>
-          </a:p>
-          <a:p>
-            <a:r>
-              <a:rPr lang="en-US" sz="2000" b="1" dirty="0">
-                <a:latin typeface="Calibri"/>
-                <a:ea typeface="+mn-lt"/>
-                <a:cs typeface="+mn-lt"/>
-              </a:rPr>
-              <a:t>A Mix of Emotions:</a:t>
-            </a:r>
-            <a:r>
-              <a:rPr lang="en-US" sz="2000" dirty="0">
-                <a:latin typeface="Calibri"/>
-                <a:ea typeface="+mn-lt"/>
-                <a:cs typeface="+mn-lt"/>
-              </a:rPr>
-              <a:t> Disinformation articles scored highest not only in negative emotions like </a:t>
-            </a:r>
-            <a:r>
-              <a:rPr lang="en-US" sz="2000" b="1" dirty="0">
-                <a:latin typeface="Calibri"/>
-                <a:ea typeface="Calibri"/>
-                <a:cs typeface="Calibri"/>
-              </a:rPr>
-              <a:t>Fear</a:t>
-            </a:r>
-            <a:r>
-              <a:rPr lang="en-US" sz="2000" b="1" dirty="0">
-                <a:latin typeface="Calibri"/>
-                <a:ea typeface="+mn-lt"/>
-                <a:cs typeface="+mn-lt"/>
-              </a:rPr>
-              <a:t> and </a:t>
-            </a:r>
-            <a:r>
-              <a:rPr lang="en-US" sz="2000" b="1" dirty="0">
-                <a:latin typeface="Calibri"/>
-                <a:ea typeface="Calibri"/>
-                <a:cs typeface="Calibri"/>
-              </a:rPr>
-              <a:t>Anger</a:t>
-            </a:r>
-            <a:r>
-              <a:rPr lang="en-US" sz="2000" dirty="0">
-                <a:latin typeface="Calibri"/>
-                <a:ea typeface="+mn-lt"/>
-                <a:cs typeface="+mn-lt"/>
-              </a:rPr>
-              <a:t> but also in </a:t>
-            </a:r>
-            <a:r>
-              <a:rPr lang="en-US" sz="2000" b="1" dirty="0">
-                <a:latin typeface="Calibri"/>
-                <a:ea typeface="Calibri"/>
-                <a:cs typeface="Calibri"/>
-              </a:rPr>
-              <a:t>Trust</a:t>
-            </a:r>
-            <a:r>
-              <a:rPr lang="en-US" sz="2000" dirty="0">
-                <a:latin typeface="Calibri"/>
-                <a:ea typeface="+mn-lt"/>
-                <a:cs typeface="+mn-lt"/>
-              </a:rPr>
-              <a:t>. This suggests a deliberate strategy: using negative emotions to create alarm while using trust-related words to build a false sense of credibility.</a:t>
-            </a:r>
-          </a:p>
-          <a:p>
-            <a:r>
-              <a:rPr lang="en-US" sz="2000" b="1" dirty="0">
-                <a:ea typeface="+mn-lt"/>
-                <a:cs typeface="+mn-lt"/>
-              </a:rPr>
-              <a:t>Sentiment Polarity:</a:t>
-            </a:r>
-            <a:r>
-              <a:rPr lang="en-US" sz="2000" dirty="0">
-                <a:ea typeface="+mn-lt"/>
-                <a:cs typeface="+mn-lt"/>
-              </a:rPr>
-              <a:t> </a:t>
-            </a:r>
-            <a:r>
-              <a:rPr lang="en-US" sz="2000" dirty="0">
-                <a:latin typeface="Consolas"/>
-              </a:rPr>
-              <a:t>Satire</a:t>
-            </a:r>
-            <a:r>
-              <a:rPr lang="en-US" sz="2000" dirty="0">
-                <a:ea typeface="+mn-lt"/>
-                <a:cs typeface="+mn-lt"/>
-              </a:rPr>
-              <a:t> and </a:t>
-            </a:r>
-            <a:r>
-              <a:rPr lang="en-US" sz="2000" dirty="0">
-                <a:latin typeface="Consolas"/>
-              </a:rPr>
-              <a:t>fake news</a:t>
-            </a:r>
-            <a:r>
-              <a:rPr lang="en-US" sz="2000" dirty="0">
-                <a:ea typeface="+mn-lt"/>
-                <a:cs typeface="+mn-lt"/>
-              </a:rPr>
-              <a:t> had the highest percentage of </a:t>
-            </a:r>
-            <a:r>
-              <a:rPr lang="en-US" sz="2000" b="1" dirty="0">
-                <a:ea typeface="+mn-lt"/>
-                <a:cs typeface="+mn-lt"/>
-              </a:rPr>
-              <a:t>negative emotional words</a:t>
-            </a:r>
-            <a:r>
-              <a:rPr lang="en-US" sz="2000" dirty="0">
-                <a:ea typeface="+mn-lt"/>
-                <a:cs typeface="+mn-lt"/>
-              </a:rPr>
-              <a:t>, while </a:t>
-            </a:r>
-            <a:r>
-              <a:rPr lang="en-US" sz="2000" dirty="0">
-                <a:latin typeface="Consolas"/>
-              </a:rPr>
-              <a:t>real news</a:t>
-            </a:r>
-            <a:r>
-              <a:rPr lang="en-US" sz="2000" dirty="0">
-                <a:ea typeface="+mn-lt"/>
-                <a:cs typeface="+mn-lt"/>
-              </a:rPr>
-              <a:t> had the lowest. </a:t>
-            </a:r>
-            <a:r>
-              <a:rPr lang="en-US" sz="2000" dirty="0">
-                <a:latin typeface="Calibri"/>
-                <a:ea typeface="+mn-lt"/>
-                <a:cs typeface="+mn-lt"/>
-              </a:rPr>
-              <a:t>This supports the idea that, while real news does express emotion, it does so with a much more neutral and balanced tone than fake news or satire.</a:t>
-            </a:r>
-            <a:endParaRPr lang="en-US" sz="2000">
-              <a:latin typeface="Calibri"/>
-              <a:ea typeface="Calibri"/>
-              <a:cs typeface="Calibri"/>
-            </a:endParaRPr>
-          </a:p>
-        </p:txBody>
-      </p:sp>
-    </p:spTree>
-    <p:extLst>
-      <p:ext uri="{BB962C8B-B14F-4D97-AF65-F5344CB8AC3E}">
-        <p14:creationId xmlns:p14="http://schemas.microsoft.com/office/powerpoint/2010/main" val="994978761"/>
-      </p:ext>
-    </p:extLst>
-  </p:cSld>
-  <p:clrMapOvr>
-    <a:masterClrMapping/>
-  </p:clrMapOvr>
-</p:sld>
-</file>
-
-<file path=ppt/slides/slide32.xml><?xml version="1.0" encoding="utf-8"?>
-<p:sld xmlns:a="http://schemas.openxmlformats.org/drawingml/2006/main" xmlns:r="http://schemas.openxmlformats.org/officeDocument/2006/relationships" xmlns:p="http://schemas.openxmlformats.org/presentationml/2006/main">
-  <p:cSld>
-    <p:spTree>
-      <p:nvGrpSpPr>
-        <p:cNvPr id="1" name=""/>
-        <p:cNvGrpSpPr/>
-        <p:nvPr/>
-      </p:nvGrpSpPr>
-      <p:grpSpPr>
-        <a:xfrm>
-          <a:off x="0" y="0"/>
-          <a:ext cx="0" cy="0"/>
-          <a:chOff x="0" y="0"/>
-          <a:chExt cx="0" cy="0"/>
-        </a:xfrm>
-      </p:grpSpPr>
-      <p:sp>
-        <p:nvSpPr>
-          <p:cNvPr id="2" name="Title 1">
-            <a:extLst>
-              <a:ext uri="{FF2B5EF4-FFF2-40B4-BE49-F238E27FC236}">
-                <a16:creationId xmlns:a16="http://schemas.microsoft.com/office/drawing/2014/main" id="{EDD6493A-52E7-0ADF-53E5-D38BAF52CB72}"/>
-              </a:ext>
-            </a:extLst>
-          </p:cNvPr>
-          <p:cNvSpPr>
-            <a:spLocks noGrp="1"/>
-          </p:cNvSpPr>
-          <p:nvPr>
-            <p:ph type="title"/>
-          </p:nvPr>
-        </p:nvSpPr>
-        <p:spPr>
-          <a:xfrm>
-            <a:off x="838200" y="365125"/>
-            <a:ext cx="4217625" cy="2179369"/>
-          </a:xfrm>
-        </p:spPr>
-        <p:txBody>
-          <a:bodyPr>
-            <a:normAutofit/>
-          </a:bodyPr>
-          <a:lstStyle/>
-          <a:p>
-            <a:r>
-              <a:rPr lang="en-US" sz="3600" b="1" dirty="0">
-                <a:latin typeface="Calibri"/>
-                <a:ea typeface="Calibri"/>
-                <a:cs typeface="Calibri"/>
-              </a:rPr>
-              <a:t>Dataset Analysis: Emotion and Sentiment Analysis</a:t>
-            </a:r>
-            <a:endParaRPr lang="en-US" sz="3600" dirty="0">
-              <a:latin typeface="Calibri"/>
-              <a:ea typeface="Calibri"/>
-              <a:cs typeface="Calibri"/>
-            </a:endParaRPr>
-          </a:p>
-        </p:txBody>
-      </p:sp>
-      <p:sp>
-        <p:nvSpPr>
-          <p:cNvPr id="4" name="TextBox 3">
-            <a:extLst>
-              <a:ext uri="{FF2B5EF4-FFF2-40B4-BE49-F238E27FC236}">
-                <a16:creationId xmlns:a16="http://schemas.microsoft.com/office/drawing/2014/main" id="{2F2E8435-52ED-6305-35C3-4F869E95F917}"/>
-              </a:ext>
-            </a:extLst>
-          </p:cNvPr>
-          <p:cNvSpPr txBox="1"/>
-          <p:nvPr/>
-        </p:nvSpPr>
-        <p:spPr>
-          <a:xfrm>
-            <a:off x="6036623" y="3770415"/>
-            <a:ext cx="2743199" cy="365759"/>
-          </a:xfrm>
-          <a:prstGeom prst="rect">
-            <a:avLst/>
-          </a:prstGeom>
-          <a:noFill/>
-        </p:spPr>
-        <p:txBody>
-          <a:bodyPr rot="0" spcFirstLastPara="0" vertOverflow="overflow" horzOverflow="overflow" vert="horz" wrap="square" lIns="91440" tIns="45720" rIns="91440" bIns="45720" numCol="1" spcCol="0" rtlCol="0" fromWordArt="0" anchor="t" anchorCtr="0" forceAA="0" compatLnSpc="1">
-            <a:prstTxWarp prst="textNoShape">
-              <a:avLst/>
-            </a:prstTxWarp>
-            <a:spAutoFit/>
-          </a:bodyPr>
-          <a:lstStyle/>
-          <a:p>
-            <a:pPr algn="l"/>
-            <a:endParaRPr lang="en-US"/>
-          </a:p>
-        </p:txBody>
-      </p:sp>
-      <p:sp>
-        <p:nvSpPr>
-          <p:cNvPr id="9" name="TextBox 8">
-            <a:extLst>
-              <a:ext uri="{FF2B5EF4-FFF2-40B4-BE49-F238E27FC236}">
-                <a16:creationId xmlns:a16="http://schemas.microsoft.com/office/drawing/2014/main" id="{3D4AABE0-7B26-6239-5CB6-8D2104A7848C}"/>
-              </a:ext>
-            </a:extLst>
-          </p:cNvPr>
-          <p:cNvSpPr txBox="1"/>
-          <p:nvPr/>
-        </p:nvSpPr>
-        <p:spPr>
-          <a:xfrm>
-            <a:off x="5195454" y="3216233"/>
-            <a:ext cx="2743199" cy="369332"/>
-          </a:xfrm>
-          <a:prstGeom prst="rect">
-            <a:avLst/>
-          </a:prstGeom>
-          <a:noFill/>
-        </p:spPr>
-        <p:txBody>
-          <a:bodyPr rot="0" spcFirstLastPara="0" vertOverflow="overflow" horzOverflow="overflow" vert="horz" wrap="square" lIns="91440" tIns="45720" rIns="91440" bIns="45720" numCol="1" spcCol="0" rtlCol="0" fromWordArt="0" anchor="t" anchorCtr="0" forceAA="0" compatLnSpc="1">
-            <a:prstTxWarp prst="textNoShape">
-              <a:avLst/>
-            </a:prstTxWarp>
-            <a:spAutoFit/>
-          </a:bodyPr>
-          <a:lstStyle/>
-          <a:p>
-            <a:endParaRPr lang="en-US" dirty="0"/>
-          </a:p>
-        </p:txBody>
-      </p:sp>
-      <p:pic>
-        <p:nvPicPr>
-          <p:cNvPr id="3" name="Picture 2" descr="A graph of yellow and purple bars&#10;&#10;AI-generated content may be incorrect.">
-            <a:extLst>
-              <a:ext uri="{FF2B5EF4-FFF2-40B4-BE49-F238E27FC236}">
-                <a16:creationId xmlns:a16="http://schemas.microsoft.com/office/drawing/2014/main" id="{3DB36515-CBF3-CEDB-C128-0BC26BCEF14F}"/>
-              </a:ext>
-            </a:extLst>
-          </p:cNvPr>
-          <p:cNvPicPr>
-            <a:picLocks noChangeAspect="1"/>
-          </p:cNvPicPr>
-          <p:nvPr/>
-        </p:nvPicPr>
-        <p:blipFill>
-          <a:blip r:embed="rId2"/>
-          <a:stretch>
-            <a:fillRect/>
-          </a:stretch>
-        </p:blipFill>
-        <p:spPr>
-          <a:xfrm>
-            <a:off x="6423526" y="0"/>
-            <a:ext cx="5468492" cy="3507036"/>
-          </a:xfrm>
-          <a:prstGeom prst="rect">
-            <a:avLst/>
-          </a:prstGeom>
-        </p:spPr>
-      </p:pic>
-      <p:pic>
-        <p:nvPicPr>
-          <p:cNvPr id="6" name="Picture 5" descr="A graph with blue bars&#10;&#10;AI-generated content may be incorrect.">
-            <a:extLst>
-              <a:ext uri="{FF2B5EF4-FFF2-40B4-BE49-F238E27FC236}">
-                <a16:creationId xmlns:a16="http://schemas.microsoft.com/office/drawing/2014/main" id="{D71F386F-8B4E-6177-3FD5-4F6A3B410B20}"/>
-              </a:ext>
-            </a:extLst>
-          </p:cNvPr>
-          <p:cNvPicPr>
-            <a:picLocks noChangeAspect="1"/>
-          </p:cNvPicPr>
-          <p:nvPr/>
-        </p:nvPicPr>
-        <p:blipFill>
-          <a:blip r:embed="rId3"/>
-          <a:stretch>
-            <a:fillRect/>
-          </a:stretch>
-        </p:blipFill>
-        <p:spPr>
-          <a:xfrm>
-            <a:off x="6419619" y="3601139"/>
-            <a:ext cx="5457940" cy="3171941"/>
-          </a:xfrm>
-          <a:prstGeom prst="rect">
-            <a:avLst/>
-          </a:prstGeom>
-        </p:spPr>
-      </p:pic>
-      <p:pic>
-        <p:nvPicPr>
-          <p:cNvPr id="8" name="Picture 7" descr="A graph of different colored lines&#10;&#10;AI-generated content may be incorrect.">
-            <a:extLst>
-              <a:ext uri="{FF2B5EF4-FFF2-40B4-BE49-F238E27FC236}">
-                <a16:creationId xmlns:a16="http://schemas.microsoft.com/office/drawing/2014/main" id="{76B0344D-060D-45A4-EE39-F5DA4BBD3DEF}"/>
-              </a:ext>
-            </a:extLst>
-          </p:cNvPr>
-          <p:cNvPicPr>
-            <a:picLocks noChangeAspect="1"/>
-          </p:cNvPicPr>
-          <p:nvPr/>
-        </p:nvPicPr>
-        <p:blipFill>
-          <a:blip r:embed="rId4"/>
-          <a:stretch>
-            <a:fillRect/>
-          </a:stretch>
-        </p:blipFill>
-        <p:spPr>
-          <a:xfrm>
-            <a:off x="82625" y="3427776"/>
-            <a:ext cx="6215349" cy="3344233"/>
-          </a:xfrm>
-          <a:prstGeom prst="rect">
-            <a:avLst/>
-          </a:prstGeom>
-        </p:spPr>
-      </p:pic>
-    </p:spTree>
-    <p:extLst>
-      <p:ext uri="{BB962C8B-B14F-4D97-AF65-F5344CB8AC3E}">
-        <p14:creationId xmlns:p14="http://schemas.microsoft.com/office/powerpoint/2010/main" val="2532207915"/>
-      </p:ext>
-    </p:extLst>
-  </p:cSld>
-  <p:clrMapOvr>
-    <a:masterClrMapping/>
-  </p:clrMapOvr>
-</p:sld>
-</file>
-
-<file path=ppt/slides/slide33.xml><?xml version="1.0" encoding="utf-8"?>
-<p:sld xmlns:a="http://schemas.openxmlformats.org/drawingml/2006/main" xmlns:r="http://schemas.openxmlformats.org/officeDocument/2006/relationships" xmlns:p="http://schemas.openxmlformats.org/presentationml/2006/main">
-  <p:cSld>
-    <p:spTree>
-      <p:nvGrpSpPr>
-        <p:cNvPr id="1" name=""/>
-        <p:cNvGrpSpPr/>
-        <p:nvPr/>
-      </p:nvGrpSpPr>
-      <p:grpSpPr>
-        <a:xfrm>
-          <a:off x="0" y="0"/>
-          <a:ext cx="0" cy="0"/>
-          <a:chOff x="0" y="0"/>
-          <a:chExt cx="0" cy="0"/>
-        </a:xfrm>
-      </p:grpSpPr>
-      <p:sp>
-        <p:nvSpPr>
-          <p:cNvPr id="2" name="Title 1">
-            <a:extLst>
-              <a:ext uri="{FF2B5EF4-FFF2-40B4-BE49-F238E27FC236}">
-                <a16:creationId xmlns:a16="http://schemas.microsoft.com/office/drawing/2014/main" id="{433351F2-F46E-573A-6C9B-E1023E9FBF33}"/>
-              </a:ext>
-            </a:extLst>
-          </p:cNvPr>
-          <p:cNvSpPr>
-            <a:spLocks noGrp="1"/>
-          </p:cNvSpPr>
-          <p:nvPr>
-            <p:ph type="title"/>
-          </p:nvPr>
-        </p:nvSpPr>
-        <p:spPr/>
-        <p:txBody>
-          <a:bodyPr>
-            <a:normAutofit/>
-          </a:bodyPr>
-          <a:lstStyle/>
-          <a:p>
-            <a:r>
-              <a:rPr lang="en-US" sz="3600" b="1" dirty="0">
-                <a:latin typeface="Calibri"/>
-                <a:ea typeface="Calibri"/>
-                <a:cs typeface="Calibri"/>
-              </a:rPr>
-              <a:t>Classification: Results</a:t>
-            </a:r>
-          </a:p>
-        </p:txBody>
-      </p:sp>
-      <p:sp>
-        <p:nvSpPr>
-          <p:cNvPr id="3" name="Text Placeholder 2">
-            <a:extLst>
-              <a:ext uri="{FF2B5EF4-FFF2-40B4-BE49-F238E27FC236}">
-                <a16:creationId xmlns:a16="http://schemas.microsoft.com/office/drawing/2014/main" id="{C9C85172-B907-B8AF-16E5-178D56190991}"/>
-              </a:ext>
-            </a:extLst>
-          </p:cNvPr>
-          <p:cNvSpPr>
-            <a:spLocks noGrp="1"/>
-          </p:cNvSpPr>
-          <p:nvPr>
-            <p:ph type="body" idx="1"/>
-          </p:nvPr>
-        </p:nvSpPr>
-        <p:spPr/>
-        <p:txBody>
-          <a:bodyPr/>
-          <a:lstStyle/>
-          <a:p>
-            <a:r>
-              <a:rPr lang="en-US" dirty="0">
-                <a:latin typeface="Calibri"/>
-                <a:ea typeface="+mn-lt"/>
-                <a:cs typeface="+mn-lt"/>
-              </a:rPr>
-              <a:t>Performance Comparison </a:t>
-            </a:r>
-            <a:endParaRPr lang="en-US" dirty="0">
-              <a:latin typeface="Calibri"/>
-            </a:endParaRPr>
-          </a:p>
-        </p:txBody>
-      </p:sp>
-      <p:graphicFrame>
-        <p:nvGraphicFramePr>
-          <p:cNvPr id="7" name="Content Placeholder 6">
-            <a:extLst>
-              <a:ext uri="{FF2B5EF4-FFF2-40B4-BE49-F238E27FC236}">
-                <a16:creationId xmlns:a16="http://schemas.microsoft.com/office/drawing/2014/main" id="{A6717501-3B9C-E32B-E138-8EC5D37AB6A0}"/>
-              </a:ext>
-            </a:extLst>
-          </p:cNvPr>
-          <p:cNvGraphicFramePr>
-            <a:graphicFrameLocks noGrp="1"/>
-          </p:cNvGraphicFramePr>
-          <p:nvPr>
-            <p:ph sz="half" idx="2"/>
-            <p:extLst>
-              <p:ext uri="{D42A27DB-BD31-4B8C-83A1-F6EECF244321}">
-                <p14:modId xmlns:p14="http://schemas.microsoft.com/office/powerpoint/2010/main" val="3434149628"/>
-              </p:ext>
-            </p:extLst>
-          </p:nvPr>
-        </p:nvGraphicFramePr>
-        <p:xfrm>
-          <a:off x="849086" y="2505075"/>
-          <a:ext cx="5148486" cy="2225039"/>
-        </p:xfrm>
-        <a:graphic>
-          <a:graphicData uri="http://schemas.openxmlformats.org/drawingml/2006/table">
-            <a:tbl>
-              <a:tblPr firstRow="1" bandRow="1">
-                <a:tableStyleId>{5C22544A-7EE6-4342-B048-85BDC9FD1C3A}</a:tableStyleId>
-              </a:tblPr>
-              <a:tblGrid>
-                <a:gridCol w="2998596">
-                  <a:extLst>
-                    <a:ext uri="{9D8B030D-6E8A-4147-A177-3AD203B41FA5}">
-                      <a16:colId xmlns:a16="http://schemas.microsoft.com/office/drawing/2014/main" val="405774003"/>
-                    </a:ext>
-                  </a:extLst>
-                </a:gridCol>
-                <a:gridCol w="2149890">
-                  <a:extLst>
-                    <a:ext uri="{9D8B030D-6E8A-4147-A177-3AD203B41FA5}">
-                      <a16:colId xmlns:a16="http://schemas.microsoft.com/office/drawing/2014/main" val="2987565513"/>
-                    </a:ext>
-                  </a:extLst>
-                </a:gridCol>
-              </a:tblGrid>
-              <a:tr h="370840">
-                <a:tc>
-                  <a:txBody>
-                    <a:bodyPr/>
-                    <a:lstStyle/>
-                    <a:p>
-                      <a:r>
-                        <a:rPr lang="en-US" dirty="0">
-                          <a:latin typeface="Calibri"/>
-                        </a:rPr>
-                        <a:t>Experimental Method</a:t>
-                      </a:r>
-                    </a:p>
-                  </a:txBody>
-                  <a:tcPr/>
-                </a:tc>
-                <a:tc>
-                  <a:txBody>
-                    <a:bodyPr/>
-                    <a:lstStyle/>
-                    <a:p>
-                      <a:pPr lvl="0">
-                        <a:buNone/>
-                      </a:pPr>
-                      <a:r>
-                        <a:rPr lang="en-US" sz="1800" b="1" i="0" u="none" strike="noStrike" noProof="0" dirty="0">
-                          <a:latin typeface="Calibri"/>
-                        </a:rPr>
-                        <a:t>Mean F1-Scor</a:t>
-                      </a:r>
-                      <a:r>
-                        <a:rPr lang="en-US" b="1" dirty="0">
-                          <a:latin typeface="Calibri"/>
-                        </a:rPr>
-                        <a:t>e</a:t>
-                      </a:r>
-                    </a:p>
-                  </a:txBody>
-                  <a:tcPr/>
-                </a:tc>
-                <a:extLst>
-                  <a:ext uri="{0D108BD9-81ED-4DB2-BD59-A6C34878D82A}">
-                    <a16:rowId xmlns:a16="http://schemas.microsoft.com/office/drawing/2014/main" val="4135024497"/>
-                  </a:ext>
-                </a:extLst>
-              </a:tr>
-              <a:tr h="370840">
-                <a:tc>
-                  <a:txBody>
-                    <a:bodyPr/>
-                    <a:lstStyle/>
-                    <a:p>
-                      <a:r>
-                        <a:rPr lang="en-US" dirty="0"/>
-                        <a:t>TF-IDF</a:t>
-                      </a:r>
-                    </a:p>
-                  </a:txBody>
-                  <a:tcPr/>
-                </a:tc>
-                <a:tc>
-                  <a:txBody>
-                    <a:bodyPr/>
-                    <a:lstStyle/>
-                    <a:p>
-                      <a:pPr lvl="0">
-                        <a:buNone/>
-                      </a:pPr>
-                      <a:r>
-                        <a:rPr lang="en-US" sz="1800" b="0" i="0" u="none" strike="noStrike" noProof="0" dirty="0">
-                          <a:latin typeface="Aptos"/>
-                        </a:rPr>
-                        <a:t>0.9570 ± 0.0067</a:t>
-                      </a:r>
-                      <a:endParaRPr lang="en-US" dirty="0"/>
-                    </a:p>
-                  </a:txBody>
-                  <a:tcPr/>
-                </a:tc>
-                <a:extLst>
-                  <a:ext uri="{0D108BD9-81ED-4DB2-BD59-A6C34878D82A}">
-                    <a16:rowId xmlns:a16="http://schemas.microsoft.com/office/drawing/2014/main" val="2835537520"/>
-                  </a:ext>
-                </a:extLst>
-              </a:tr>
-              <a:tr h="370840">
-                <a:tc>
-                  <a:txBody>
-                    <a:bodyPr/>
-                    <a:lstStyle/>
-                    <a:p>
-                      <a:r>
-                        <a:rPr lang="en-US" dirty="0"/>
-                        <a:t>Hybrid Model</a:t>
-                      </a:r>
-                    </a:p>
-                  </a:txBody>
-                  <a:tcPr/>
-                </a:tc>
-                <a:tc>
-                  <a:txBody>
-                    <a:bodyPr/>
-                    <a:lstStyle/>
-                    <a:p>
-                      <a:pPr lvl="0">
-                        <a:buNone/>
-                      </a:pPr>
-                      <a:r>
-                        <a:rPr lang="en-US" sz="1800" b="0" i="0" u="none" strike="noStrike" noProof="0" dirty="0">
-                          <a:latin typeface="Aptos"/>
-                        </a:rPr>
-                        <a:t>0.9169 ± 0.0141</a:t>
-                      </a:r>
-                      <a:endParaRPr lang="en-US" dirty="0"/>
-                    </a:p>
-                  </a:txBody>
-                  <a:tcPr/>
-                </a:tc>
-                <a:extLst>
-                  <a:ext uri="{0D108BD9-81ED-4DB2-BD59-A6C34878D82A}">
-                    <a16:rowId xmlns:a16="http://schemas.microsoft.com/office/drawing/2014/main" val="2136593831"/>
-                  </a:ext>
-                </a:extLst>
-              </a:tr>
-              <a:tr h="370839">
-                <a:tc>
-                  <a:txBody>
-                    <a:bodyPr/>
-                    <a:lstStyle/>
-                    <a:p>
-                      <a:pPr lvl="0">
-                        <a:buNone/>
-                      </a:pPr>
-                      <a:r>
-                        <a:rPr lang="en-US" dirty="0"/>
-                        <a:t>Doc2Vec</a:t>
-                      </a:r>
-                    </a:p>
-                  </a:txBody>
-                  <a:tcPr/>
-                </a:tc>
-                <a:tc>
-                  <a:txBody>
-                    <a:bodyPr/>
-                    <a:lstStyle/>
-                    <a:p>
-                      <a:pPr lvl="0">
-                        <a:buNone/>
-                      </a:pPr>
-                      <a:r>
-                        <a:rPr lang="en-US" sz="1800" b="0" i="0" u="none" strike="noStrike" noProof="0" dirty="0">
-                          <a:latin typeface="Aptos"/>
-                        </a:rPr>
-                        <a:t>0.8046 ± 0.0117</a:t>
-                      </a:r>
-                      <a:endParaRPr lang="en-US" dirty="0"/>
-                    </a:p>
-                  </a:txBody>
-                  <a:tcPr/>
-                </a:tc>
-                <a:extLst>
-                  <a:ext uri="{0D108BD9-81ED-4DB2-BD59-A6C34878D82A}">
-                    <a16:rowId xmlns:a16="http://schemas.microsoft.com/office/drawing/2014/main" val="2437736202"/>
-                  </a:ext>
-                </a:extLst>
-              </a:tr>
-              <a:tr h="370840">
-                <a:tc>
-                  <a:txBody>
-                    <a:bodyPr/>
-                    <a:lstStyle/>
-                    <a:p>
-                      <a:r>
-                        <a:rPr lang="en-US" dirty="0"/>
-                        <a:t>Word2Vec (Averaged)</a:t>
-                      </a:r>
-                    </a:p>
-                  </a:txBody>
-                  <a:tcPr/>
-                </a:tc>
-                <a:tc>
-                  <a:txBody>
-                    <a:bodyPr/>
-                    <a:lstStyle/>
-                    <a:p>
-                      <a:pPr lvl="0">
-                        <a:buNone/>
-                      </a:pPr>
-                      <a:r>
-                        <a:rPr lang="en-US" sz="1800" b="0" i="0" u="none" strike="noStrike" noProof="0" dirty="0">
-                          <a:latin typeface="Aptos"/>
-                        </a:rPr>
-                        <a:t>0.7686 ± 0.0113</a:t>
-                      </a:r>
-                      <a:endParaRPr lang="en-US" dirty="0"/>
-                    </a:p>
-                  </a:txBody>
-                  <a:tcPr/>
-                </a:tc>
-                <a:extLst>
-                  <a:ext uri="{0D108BD9-81ED-4DB2-BD59-A6C34878D82A}">
-                    <a16:rowId xmlns:a16="http://schemas.microsoft.com/office/drawing/2014/main" val="503793003"/>
-                  </a:ext>
-                </a:extLst>
-              </a:tr>
-              <a:tr h="370840">
-                <a:tc>
-                  <a:txBody>
-                    <a:bodyPr/>
-                    <a:lstStyle/>
-                    <a:p>
-                      <a:r>
-                        <a:rPr lang="en-US" dirty="0" err="1"/>
-                        <a:t>RoBERT</a:t>
-                      </a:r>
-                      <a:r>
-                        <a:rPr lang="en-US" dirty="0"/>
-                        <a:t> [CLS] (no fine-tune)</a:t>
-                      </a:r>
-                    </a:p>
-                  </a:txBody>
-                  <a:tcPr/>
-                </a:tc>
-                <a:tc>
-                  <a:txBody>
-                    <a:bodyPr/>
-                    <a:lstStyle/>
-                    <a:p>
-                      <a:pPr lvl="0">
-                        <a:buNone/>
-                      </a:pPr>
-                      <a:r>
-                        <a:rPr lang="en-US" sz="1800" b="0" i="0" u="none" strike="noStrike" noProof="0" dirty="0">
-                          <a:latin typeface="Aptos"/>
-                        </a:rPr>
-                        <a:t>0.7376 ± 0.0072</a:t>
-                      </a:r>
-                      <a:endParaRPr lang="en-US" dirty="0"/>
-                    </a:p>
-                  </a:txBody>
-                  <a:tcPr/>
-                </a:tc>
-                <a:extLst>
-                  <a:ext uri="{0D108BD9-81ED-4DB2-BD59-A6C34878D82A}">
-                    <a16:rowId xmlns:a16="http://schemas.microsoft.com/office/drawing/2014/main" val="4129272592"/>
-                  </a:ext>
-                </a:extLst>
-              </a:tr>
-            </a:tbl>
-          </a:graphicData>
-        </a:graphic>
-      </p:graphicFrame>
-      <p:sp>
-        <p:nvSpPr>
-          <p:cNvPr id="5" name="Text Placeholder 4">
-            <a:extLst>
-              <a:ext uri="{FF2B5EF4-FFF2-40B4-BE49-F238E27FC236}">
-                <a16:creationId xmlns:a16="http://schemas.microsoft.com/office/drawing/2014/main" id="{A05D86F8-1BFA-93A6-0388-1D8AEEDF75F6}"/>
-              </a:ext>
-            </a:extLst>
-          </p:cNvPr>
-          <p:cNvSpPr>
-            <a:spLocks noGrp="1"/>
-          </p:cNvSpPr>
-          <p:nvPr>
-            <p:ph type="body" sz="quarter" idx="3"/>
-          </p:nvPr>
-        </p:nvSpPr>
-        <p:spPr/>
-        <p:txBody>
-          <a:bodyPr/>
-          <a:lstStyle/>
-          <a:p>
-            <a:r>
-              <a:rPr lang="en-US" dirty="0">
-                <a:latin typeface="Calibri"/>
-                <a:ea typeface="+mn-lt"/>
-                <a:cs typeface="+mn-lt"/>
-              </a:rPr>
-              <a:t>Key Takeaways TODO: </a:t>
-            </a:r>
-            <a:r>
-              <a:rPr lang="en-US" dirty="0" err="1">
-                <a:latin typeface="Calibri"/>
-                <a:ea typeface="+mn-lt"/>
-                <a:cs typeface="+mn-lt"/>
-              </a:rPr>
-              <a:t>aici</a:t>
-            </a:r>
-            <a:r>
-              <a:rPr lang="en-US" dirty="0">
-                <a:latin typeface="Calibri"/>
-                <a:ea typeface="+mn-lt"/>
-                <a:cs typeface="+mn-lt"/>
-              </a:rPr>
-              <a:t> le </a:t>
-            </a:r>
-            <a:r>
-              <a:rPr lang="en-US" dirty="0" err="1">
-                <a:latin typeface="Calibri"/>
-                <a:ea typeface="+mn-lt"/>
-                <a:cs typeface="+mn-lt"/>
-              </a:rPr>
-              <a:t>mentionez</a:t>
-            </a:r>
-            <a:r>
-              <a:rPr lang="en-US" dirty="0">
-                <a:latin typeface="Calibri"/>
-                <a:ea typeface="+mn-lt"/>
-                <a:cs typeface="+mn-lt"/>
-              </a:rPr>
-              <a:t> verbal.</a:t>
-            </a:r>
-            <a:endParaRPr lang="en-US" dirty="0">
-              <a:latin typeface="Calibri"/>
-              <a:ea typeface="Calibri"/>
-              <a:cs typeface="Calibri"/>
-            </a:endParaRPr>
-          </a:p>
-        </p:txBody>
-      </p:sp>
-      <p:sp>
-        <p:nvSpPr>
-          <p:cNvPr id="6" name="Content Placeholder 5">
-            <a:extLst>
-              <a:ext uri="{FF2B5EF4-FFF2-40B4-BE49-F238E27FC236}">
-                <a16:creationId xmlns:a16="http://schemas.microsoft.com/office/drawing/2014/main" id="{CDC50679-7245-86D0-6338-07C7947D3EAA}"/>
-              </a:ext>
-            </a:extLst>
-          </p:cNvPr>
-          <p:cNvSpPr>
-            <a:spLocks noGrp="1"/>
-          </p:cNvSpPr>
-          <p:nvPr>
-            <p:ph sz="quarter" idx="4"/>
-          </p:nvPr>
-        </p:nvSpPr>
-        <p:spPr/>
-        <p:txBody>
-          <a:bodyPr vert="horz" lIns="91440" tIns="45720" rIns="91440" bIns="45720" rtlCol="0" anchor="t">
-            <a:noAutofit/>
-          </a:bodyPr>
-          <a:lstStyle/>
-          <a:p>
-            <a:r>
-              <a:rPr lang="en-US" sz="2000" b="1" dirty="0">
-                <a:latin typeface="Calibri"/>
-                <a:ea typeface="+mn-lt"/>
-                <a:cs typeface="+mn-lt"/>
-              </a:rPr>
-              <a:t>TF-IDF was the best performer (~96%).</a:t>
-            </a:r>
-            <a:r>
-              <a:rPr lang="en-US" sz="2000" dirty="0">
-                <a:latin typeface="Calibri"/>
-                <a:ea typeface="+mn-lt"/>
-                <a:cs typeface="+mn-lt"/>
-              </a:rPr>
-              <a:t> This shows that for this dataset, the presence of specific keywords is the most powerful signal for classification.</a:t>
-            </a:r>
-            <a:endParaRPr lang="en-US" sz="2000" dirty="0">
-              <a:latin typeface="Calibri"/>
-              <a:ea typeface="Calibri"/>
-              <a:cs typeface="Calibri"/>
-            </a:endParaRPr>
-          </a:p>
-          <a:p>
-            <a:r>
-              <a:rPr lang="en-US" sz="2000" dirty="0">
-                <a:ea typeface="+mn-lt"/>
-                <a:cs typeface="+mn-lt"/>
-              </a:rPr>
-              <a:t>The </a:t>
-            </a:r>
-            <a:r>
-              <a:rPr lang="en-US" sz="2000" b="1" dirty="0">
-                <a:ea typeface="+mn-lt"/>
-                <a:cs typeface="+mn-lt"/>
-              </a:rPr>
-              <a:t>Hybrid Model also performed well (~92%).</a:t>
-            </a:r>
-            <a:r>
-              <a:rPr lang="en-US" sz="2000" dirty="0">
-                <a:ea typeface="+mn-lt"/>
-                <a:cs typeface="+mn-lt"/>
-              </a:rPr>
-              <a:t> This model combined </a:t>
-            </a:r>
-            <a:r>
-              <a:rPr lang="en-US" sz="2000" dirty="0">
-                <a:latin typeface="Consolas"/>
-                <a:ea typeface="Calibri"/>
-                <a:cs typeface="Calibri"/>
-              </a:rPr>
-              <a:t>Doc2Vec</a:t>
-            </a:r>
-            <a:r>
-              <a:rPr lang="en-US" sz="2000" dirty="0">
-                <a:ea typeface="+mn-lt"/>
-                <a:cs typeface="+mn-lt"/>
-              </a:rPr>
-              <a:t> vectors with 22 engineered features, including a </a:t>
-            </a:r>
-            <a:r>
-              <a:rPr lang="en-US" sz="2000" b="1" dirty="0">
-                <a:ea typeface="+mn-lt"/>
-                <a:cs typeface="+mn-lt"/>
-              </a:rPr>
-              <a:t>K-Means cluster ID</a:t>
-            </a:r>
-            <a:r>
-              <a:rPr lang="en-US" sz="2000" dirty="0">
-                <a:ea typeface="+mn-lt"/>
-                <a:cs typeface="+mn-lt"/>
-              </a:rPr>
-              <a:t>.</a:t>
-            </a:r>
-          </a:p>
-          <a:p>
-            <a:r>
-              <a:rPr lang="en-US" sz="2000" dirty="0">
-                <a:ea typeface="+mn-lt"/>
-                <a:cs typeface="+mn-lt"/>
-              </a:rPr>
-              <a:t>The non-fine-tuned </a:t>
-            </a:r>
-            <a:r>
-              <a:rPr lang="en-US" sz="2000" b="1" dirty="0" err="1">
-                <a:ea typeface="+mn-lt"/>
-                <a:cs typeface="+mn-lt"/>
-              </a:rPr>
-              <a:t>RoBERT</a:t>
-            </a:r>
-            <a:r>
-              <a:rPr lang="en-US" sz="2000" b="1" dirty="0">
-                <a:ea typeface="+mn-lt"/>
-                <a:cs typeface="+mn-lt"/>
-              </a:rPr>
-              <a:t> model performed poorly</a:t>
-            </a:r>
-            <a:r>
-              <a:rPr lang="en-US" sz="2000" dirty="0">
-                <a:ea typeface="+mn-lt"/>
-                <a:cs typeface="+mn-lt"/>
-              </a:rPr>
-              <a:t>, even worse than the simpler Word2Vec method, highlighting the need for fine-tuning.</a:t>
-            </a:r>
-          </a:p>
-        </p:txBody>
-      </p:sp>
-    </p:spTree>
-    <p:extLst>
-      <p:ext uri="{BB962C8B-B14F-4D97-AF65-F5344CB8AC3E}">
-        <p14:creationId xmlns:p14="http://schemas.microsoft.com/office/powerpoint/2010/main" val="878250247"/>
-      </p:ext>
-    </p:extLst>
-  </p:cSld>
-  <p:clrMapOvr>
-    <a:masterClrMapping/>
-  </p:clrMapOvr>
-</p:sld>
-</file>
-
-<file path=ppt/slides/slide34.xml><?xml version="1.0" encoding="utf-8"?>
-<p:sld xmlns:a="http://schemas.openxmlformats.org/drawingml/2006/main" xmlns:r="http://schemas.openxmlformats.org/officeDocument/2006/relationships" xmlns:p="http://schemas.openxmlformats.org/presentationml/2006/main">
-  <p:cSld>
-    <p:spTree>
-      <p:nvGrpSpPr>
-        <p:cNvPr id="1" name=""/>
-        <p:cNvGrpSpPr/>
-        <p:nvPr/>
-      </p:nvGrpSpPr>
-      <p:grpSpPr>
-        <a:xfrm>
-          <a:off x="0" y="0"/>
-          <a:ext cx="0" cy="0"/>
-          <a:chOff x="0" y="0"/>
-          <a:chExt cx="0" cy="0"/>
-        </a:xfrm>
-      </p:grpSpPr>
-      <p:sp>
-        <p:nvSpPr>
-          <p:cNvPr id="2" name="Title 1">
-            <a:extLst>
-              <a:ext uri="{FF2B5EF4-FFF2-40B4-BE49-F238E27FC236}">
-                <a16:creationId xmlns:a16="http://schemas.microsoft.com/office/drawing/2014/main" id="{0FE9FBC9-BD0A-D828-2D2A-A1F239BB7F74}"/>
-              </a:ext>
-            </a:extLst>
-          </p:cNvPr>
-          <p:cNvSpPr>
-            <a:spLocks noGrp="1"/>
-          </p:cNvSpPr>
-          <p:nvPr>
-            <p:ph type="title"/>
-          </p:nvPr>
-        </p:nvSpPr>
-        <p:spPr/>
-        <p:txBody>
-          <a:bodyPr>
-            <a:normAutofit/>
-          </a:bodyPr>
-          <a:lstStyle/>
-          <a:p>
-            <a:r>
-              <a:rPr lang="en-US" sz="3600" b="1" dirty="0">
-                <a:latin typeface="Calibri"/>
-                <a:ea typeface="Calibri"/>
-                <a:cs typeface="Calibri"/>
-              </a:rPr>
-              <a:t>Future Work</a:t>
-            </a:r>
-          </a:p>
-        </p:txBody>
-      </p:sp>
-      <p:sp>
-        <p:nvSpPr>
-          <p:cNvPr id="3" name="Content Placeholder 2">
-            <a:extLst>
-              <a:ext uri="{FF2B5EF4-FFF2-40B4-BE49-F238E27FC236}">
-                <a16:creationId xmlns:a16="http://schemas.microsoft.com/office/drawing/2014/main" id="{4BE04B02-3257-EF6C-1669-CDADA043E124}"/>
-              </a:ext>
-            </a:extLst>
-          </p:cNvPr>
-          <p:cNvSpPr>
-            <a:spLocks noGrp="1"/>
-          </p:cNvSpPr>
-          <p:nvPr>
-            <p:ph idx="1"/>
-          </p:nvPr>
-        </p:nvSpPr>
-        <p:spPr/>
-        <p:txBody>
-          <a:bodyPr vert="horz" lIns="91440" tIns="45720" rIns="91440" bIns="45720" rtlCol="0" anchor="t">
-            <a:normAutofit/>
-          </a:bodyPr>
-          <a:lstStyle/>
-          <a:p>
-            <a:r>
-              <a:rPr lang="en-US" sz="2000" b="1" dirty="0">
-                <a:latin typeface="Calibri"/>
-                <a:ea typeface="+mn-lt"/>
-                <a:cs typeface="+mn-lt"/>
-              </a:rPr>
-              <a:t>Create a more diverse dataset:</a:t>
-            </a:r>
-            <a:r>
-              <a:rPr lang="en-US" sz="2000" dirty="0">
-                <a:latin typeface="Calibri"/>
-                <a:ea typeface="+mn-lt"/>
-                <a:cs typeface="+mn-lt"/>
-              </a:rPr>
-              <a:t> The most important next step is to build a larger dataset with articles from more domains (e.g., politics, finance) and time periods.</a:t>
-            </a:r>
-            <a:endParaRPr lang="en-US" sz="2000" dirty="0">
-              <a:latin typeface="Calibri"/>
-              <a:ea typeface="Calibri"/>
-              <a:cs typeface="Calibri"/>
-            </a:endParaRPr>
-          </a:p>
-          <a:p>
-            <a:r>
-              <a:rPr lang="en-US" sz="2000" b="1" dirty="0">
-                <a:latin typeface="Calibri"/>
-                <a:ea typeface="+mn-lt"/>
-                <a:cs typeface="+mn-lt"/>
-              </a:rPr>
-              <a:t>Fine-tune a </a:t>
-            </a:r>
-            <a:r>
-              <a:rPr lang="en-US" sz="2000" b="1" dirty="0" err="1">
-                <a:latin typeface="Calibri"/>
-                <a:ea typeface="+mn-lt"/>
-                <a:cs typeface="+mn-lt"/>
-              </a:rPr>
-              <a:t>RoBERT</a:t>
-            </a:r>
-            <a:r>
-              <a:rPr lang="en-US" sz="2000" b="1" dirty="0">
-                <a:latin typeface="Calibri"/>
-                <a:ea typeface="+mn-lt"/>
-                <a:cs typeface="+mn-lt"/>
-              </a:rPr>
-              <a:t> model:</a:t>
-            </a:r>
-            <a:r>
-              <a:rPr lang="en-US" sz="2000" dirty="0">
-                <a:latin typeface="Calibri"/>
-                <a:ea typeface="+mn-lt"/>
-                <a:cs typeface="+mn-lt"/>
-              </a:rPr>
-              <a:t> The baseline </a:t>
-            </a:r>
-            <a:r>
-              <a:rPr lang="en-US" sz="2000" dirty="0" err="1">
-                <a:latin typeface="Calibri"/>
-                <a:ea typeface="+mn-lt"/>
-                <a:cs typeface="+mn-lt"/>
-              </a:rPr>
-              <a:t>RoBERT</a:t>
-            </a:r>
-            <a:r>
-              <a:rPr lang="en-US" sz="2000" dirty="0">
-                <a:latin typeface="Calibri"/>
-                <a:ea typeface="+mn-lt"/>
-                <a:cs typeface="+mn-lt"/>
-              </a:rPr>
-              <a:t> model performed poorly, but fine-tuning it on this specific task is expected to achieve state-of-the-art results.</a:t>
-            </a:r>
-            <a:endParaRPr lang="en-US" sz="2000" dirty="0">
-              <a:latin typeface="Calibri"/>
-              <a:ea typeface="Calibri"/>
-              <a:cs typeface="Calibri"/>
-            </a:endParaRPr>
-          </a:p>
-          <a:p>
-            <a:r>
-              <a:rPr lang="en-US" sz="2000" b="1" dirty="0">
-                <a:latin typeface="Calibri"/>
-                <a:ea typeface="+mn-lt"/>
-                <a:cs typeface="+mn-lt"/>
-              </a:rPr>
-              <a:t>Deploy the application to the cloud:</a:t>
-            </a:r>
-            <a:r>
-              <a:rPr lang="en-US" sz="2000" dirty="0">
-                <a:latin typeface="Calibri"/>
-                <a:ea typeface="+mn-lt"/>
-                <a:cs typeface="+mn-lt"/>
-              </a:rPr>
-              <a:t> Moving the application from a local server to a cloud platform would make it publicly accessible for real-world use and feedback.</a:t>
-            </a:r>
-            <a:endParaRPr lang="en-US" sz="2000" dirty="0">
-              <a:latin typeface="Calibri"/>
-              <a:ea typeface="Calibri"/>
-              <a:cs typeface="Calibri"/>
-            </a:endParaRPr>
-          </a:p>
-          <a:p>
-            <a:endParaRPr lang="en-US" dirty="0"/>
-          </a:p>
-        </p:txBody>
-      </p:sp>
-    </p:spTree>
-    <p:extLst>
-      <p:ext uri="{BB962C8B-B14F-4D97-AF65-F5344CB8AC3E}">
-        <p14:creationId xmlns:p14="http://schemas.microsoft.com/office/powerpoint/2010/main" val="2521472458"/>
       </p:ext>
     </p:extLst>
   </p:cSld>
